--- a/presentation/PervasiveAirQauality.pptx
+++ b/presentation/PervasiveAirQauality.pptx
@@ -5,7 +5,7 @@
     <p:sldMasterId id="2147483648" r:id="rId1"/>
   </p:sldMasterIdLst>
   <p:notesMasterIdLst>
-    <p:notesMasterId r:id="rId15"/>
+    <p:notesMasterId r:id="rId16"/>
   </p:notesMasterIdLst>
   <p:sldIdLst>
     <p:sldId id="256" r:id="rId2"/>
@@ -17,10 +17,11 @@
     <p:sldId id="264" r:id="rId8"/>
     <p:sldId id="263" r:id="rId9"/>
     <p:sldId id="265" r:id="rId10"/>
-    <p:sldId id="460" r:id="rId11"/>
-    <p:sldId id="461" r:id="rId12"/>
-    <p:sldId id="464" r:id="rId13"/>
+    <p:sldId id="467" r:id="rId11"/>
+    <p:sldId id="460" r:id="rId12"/>
+    <p:sldId id="461" r:id="rId13"/>
     <p:sldId id="465" r:id="rId14"/>
+    <p:sldId id="464" r:id="rId15"/>
   </p:sldIdLst>
   <p:sldSz cx="12195175" cy="6859588"/>
   <p:notesSz cx="6858000" cy="9144000"/>
@@ -133,10 +134,11 @@
             <p14:sldId id="264"/>
             <p14:sldId id="263"/>
             <p14:sldId id="265"/>
+            <p14:sldId id="467"/>
             <p14:sldId id="460"/>
             <p14:sldId id="461"/>
+            <p14:sldId id="465"/>
             <p14:sldId id="464"/>
-            <p14:sldId id="465"/>
           </p14:sldIdLst>
         </p14:section>
       </p14:sectionLst>
@@ -1314,7 +1316,7 @@
             </a:pPr>
             <a:r>
               <a:rPr lang="en-US" dirty="0"/>
-              <a:t>Approximate costs for one: 150€</a:t>
+              <a:t>Focus on the Approximate costs for one: 150€</a:t>
             </a:r>
           </a:p>
           <a:p>
@@ -3743,6 +3745,136 @@
 </file>
 
 <file path=ppt/slides/slide10.xml><?xml version="1.0" encoding="utf-8"?>
+<p:sld xmlns:a="http://schemas.openxmlformats.org/drawingml/2006/main" xmlns:r="http://schemas.openxmlformats.org/officeDocument/2006/relationships" xmlns:p="http://schemas.openxmlformats.org/presentationml/2006/main" show="0">
+  <p:cSld>
+    <p:spTree>
+      <p:nvGrpSpPr>
+        <p:cNvPr id="1" name=""/>
+        <p:cNvGrpSpPr/>
+        <p:nvPr/>
+      </p:nvGrpSpPr>
+      <p:grpSpPr>
+        <a:xfrm>
+          <a:off x="0" y="0"/>
+          <a:ext cx="0" cy="0"/>
+          <a:chOff x="0" y="0"/>
+          <a:chExt cx="0" cy="0"/>
+        </a:xfrm>
+      </p:grpSpPr>
+      <p:sp>
+        <p:nvSpPr>
+          <p:cNvPr id="2" name="Title 1">
+            <a:extLst>
+              <a:ext uri="{FF2B5EF4-FFF2-40B4-BE49-F238E27FC236}">
+                <a16:creationId xmlns:a16="http://schemas.microsoft.com/office/drawing/2014/main" id="{B4B5759A-37A7-9D49-8364-788B1814CAD7}"/>
+              </a:ext>
+            </a:extLst>
+          </p:cNvPr>
+          <p:cNvSpPr>
+            <a:spLocks noGrp="1"/>
+          </p:cNvSpPr>
+          <p:nvPr>
+            <p:ph type="title"/>
+          </p:nvPr>
+        </p:nvSpPr>
+        <p:spPr/>
+        <p:txBody>
+          <a:bodyPr/>
+          <a:lstStyle/>
+          <a:p>
+            <a:r>
+              <a:rPr lang="en-US" dirty="0"/>
+              <a:t>Technical Implementation</a:t>
+            </a:r>
+            <a:br>
+              <a:rPr lang="en-US" dirty="0"/>
+            </a:br>
+            <a:r>
+              <a:rPr lang="en-US" b="0" dirty="0"/>
+              <a:t>Backend for data processing - Authentication</a:t>
+            </a:r>
+            <a:endParaRPr lang="en-US" dirty="0"/>
+          </a:p>
+        </p:txBody>
+      </p:sp>
+      <p:pic>
+        <p:nvPicPr>
+          <p:cNvPr id="7" name="Content Placeholder 6" descr="A picture containing screenshot, text&#13;&#10;&#13;&#10;Description automatically generated">
+            <a:extLst>
+              <a:ext uri="{FF2B5EF4-FFF2-40B4-BE49-F238E27FC236}">
+                <a16:creationId xmlns:a16="http://schemas.microsoft.com/office/drawing/2014/main" id="{9846CA86-05CA-B545-A674-7553E156B605}"/>
+              </a:ext>
+            </a:extLst>
+          </p:cNvPr>
+          <p:cNvPicPr>
+            <a:picLocks noGrp="1" noChangeAspect="1"/>
+          </p:cNvPicPr>
+          <p:nvPr>
+            <p:ph idx="1"/>
+          </p:nvPr>
+        </p:nvPicPr>
+        <p:blipFill>
+          <a:blip r:embed="rId2">
+            <a:extLst>
+              <a:ext uri="{28A0092B-C50C-407E-A947-70E740481C1C}">
+                <a14:useLocalDpi xmlns:a14="http://schemas.microsoft.com/office/drawing/2010/main" val="0"/>
+              </a:ext>
+            </a:extLst>
+          </a:blip>
+          <a:stretch>
+            <a:fillRect/>
+          </a:stretch>
+        </p:blipFill>
+        <p:spPr>
+          <a:xfrm>
+            <a:off x="2658838" y="2277666"/>
+            <a:ext cx="6877498" cy="4464050"/>
+          </a:xfrm>
+        </p:spPr>
+      </p:pic>
+      <p:sp>
+        <p:nvSpPr>
+          <p:cNvPr id="4" name="Slide Number Placeholder 3">
+            <a:extLst>
+              <a:ext uri="{FF2B5EF4-FFF2-40B4-BE49-F238E27FC236}">
+                <a16:creationId xmlns:a16="http://schemas.microsoft.com/office/drawing/2014/main" id="{175E3D0A-9D16-FA45-B63D-93FAA859C51A}"/>
+              </a:ext>
+            </a:extLst>
+          </p:cNvPr>
+          <p:cNvSpPr>
+            <a:spLocks noGrp="1"/>
+          </p:cNvSpPr>
+          <p:nvPr>
+            <p:ph type="sldNum" sz="quarter" idx="12"/>
+          </p:nvPr>
+        </p:nvSpPr>
+        <p:spPr/>
+        <p:txBody>
+          <a:bodyPr/>
+          <a:lstStyle/>
+          <a:p>
+            <a:fld id="{FC0CC166-4E39-43B8-AB91-BDD1C4C9E224}" type="slidenum">
+              <a:rPr lang="de-DE" smtClean="0"/>
+              <a:t>10</a:t>
+            </a:fld>
+            <a:endParaRPr lang="de-DE" dirty="0"/>
+          </a:p>
+        </p:txBody>
+      </p:sp>
+    </p:spTree>
+    <p:extLst>
+      <p:ext uri="{BB962C8B-B14F-4D97-AF65-F5344CB8AC3E}">
+        <p14:creationId xmlns:p14="http://schemas.microsoft.com/office/powerpoint/2010/main" val="775396586"/>
+      </p:ext>
+    </p:extLst>
+  </p:cSld>
+  <p:clrMapOvr>
+    <a:masterClrMapping/>
+  </p:clrMapOvr>
+</p:sld>
+</file>
+
+<file path=ppt/slides/slide11.xml><?xml version="1.0" encoding="utf-8"?>
 <p:sld xmlns:a="http://schemas.openxmlformats.org/drawingml/2006/main" xmlns:r="http://schemas.openxmlformats.org/officeDocument/2006/relationships" xmlns:p="http://schemas.openxmlformats.org/presentationml/2006/main">
   <p:cSld>
     <p:spTree>
@@ -3880,7 +4012,7 @@
           <a:p>
             <a:fld id="{FC0CC166-4E39-43B8-AB91-BDD1C4C9E224}" type="slidenum">
               <a:rPr lang="de-DE" smtClean="0"/>
-              <a:t>10</a:t>
+              <a:t>11</a:t>
             </a:fld>
             <a:endParaRPr lang="de-DE"/>
           </a:p>
@@ -4170,7 +4302,7 @@
 </p:sld>
 </file>
 
-<file path=ppt/slides/slide11.xml><?xml version="1.0" encoding="utf-8"?>
+<file path=ppt/slides/slide12.xml><?xml version="1.0" encoding="utf-8"?>
 <p:sld xmlns:a="http://schemas.openxmlformats.org/drawingml/2006/main" xmlns:r="http://schemas.openxmlformats.org/officeDocument/2006/relationships" xmlns:p="http://schemas.openxmlformats.org/presentationml/2006/main">
   <p:cSld>
     <p:spTree>
@@ -4252,31 +4384,6 @@
       </p:pic>
       <p:sp>
         <p:nvSpPr>
-          <p:cNvPr id="12" name="Text Placeholder 11">
-            <a:extLst>
-              <a:ext uri="{FF2B5EF4-FFF2-40B4-BE49-F238E27FC236}">
-                <a16:creationId xmlns:a16="http://schemas.microsoft.com/office/drawing/2014/main" id="{4CAF837B-4C00-0547-8BD7-A4A4207275E5}"/>
-              </a:ext>
-            </a:extLst>
-          </p:cNvPr>
-          <p:cNvSpPr>
-            <a:spLocks noGrp="1"/>
-          </p:cNvSpPr>
-          <p:nvPr>
-            <p:ph type="body" sz="quarter" idx="3"/>
-          </p:nvPr>
-        </p:nvSpPr>
-        <p:spPr/>
-        <p:txBody>
-          <a:bodyPr/>
-          <a:lstStyle/>
-          <a:p>
-            <a:endParaRPr lang="en-US"/>
-          </a:p>
-        </p:txBody>
-      </p:sp>
-      <p:sp>
-        <p:nvSpPr>
           <p:cNvPr id="13" name="Content Placeholder 12">
             <a:extLst>
               <a:ext uri="{FF2B5EF4-FFF2-40B4-BE49-F238E27FC236}">
@@ -4296,6 +4403,69 @@
           <a:bodyPr/>
           <a:lstStyle/>
           <a:p>
+            <a:pPr>
+              <a:buFont typeface="Wingdings" pitchFamily="2" charset="2"/>
+              <a:buChar char="q"/>
+            </a:pPr>
+            <a:r>
+              <a:rPr lang="en-US" dirty="0"/>
+              <a:t>Affordable Hardware?</a:t>
+            </a:r>
+          </a:p>
+          <a:p>
+            <a:pPr lvl="1">
+              <a:buFont typeface="Arial" panose="020B0604020202020204" pitchFamily="34" charset="0"/>
+              <a:buChar char="•"/>
+            </a:pPr>
+            <a:r>
+              <a:rPr lang="en-US" dirty="0"/>
+              <a:t>With hardware costs of 150 Euro/ Sensor the hardware is affordable</a:t>
+            </a:r>
+          </a:p>
+          <a:p>
+            <a:pPr>
+              <a:buFont typeface="Wingdings" pitchFamily="2" charset="2"/>
+              <a:buChar char="q"/>
+            </a:pPr>
+            <a:r>
+              <a:rPr lang="en-US" dirty="0"/>
+              <a:t>Accessible for the public?</a:t>
+            </a:r>
+          </a:p>
+          <a:p>
+            <a:pPr lvl="1">
+              <a:buFont typeface="Arial" panose="020B0604020202020204" pitchFamily="34" charset="0"/>
+              <a:buChar char="•"/>
+            </a:pPr>
+            <a:r>
+              <a:rPr lang="en-US" dirty="0"/>
+              <a:t>Web browser application makes it accessible for the public</a:t>
+            </a:r>
+          </a:p>
+          <a:p>
+            <a:pPr>
+              <a:buFont typeface="Wingdings" pitchFamily="2" charset="2"/>
+              <a:buChar char="q"/>
+            </a:pPr>
+            <a:r>
+              <a:rPr lang="en-US" dirty="0"/>
+              <a:t>Implementation Effort</a:t>
+            </a:r>
+          </a:p>
+          <a:p>
+            <a:pPr lvl="1">
+              <a:buFont typeface="Wingdings" pitchFamily="2" charset="2"/>
+              <a:buChar char="§"/>
+            </a:pPr>
+            <a:r>
+              <a:rPr lang="en-US" dirty="0"/>
+              <a:t>Rather low, by using such a simple architecture</a:t>
+            </a:r>
+          </a:p>
+          <a:p>
+            <a:pPr marL="457153" lvl="1" indent="0">
+              <a:buNone/>
+            </a:pPr>
             <a:endParaRPr lang="en-US" dirty="0"/>
           </a:p>
         </p:txBody>
@@ -4323,7 +4493,7 @@
           <a:p>
             <a:fld id="{FC0CC166-4E39-43B8-AB91-BDD1C4C9E224}" type="slidenum">
               <a:rPr lang="de-DE" smtClean="0"/>
-              <a:t>11</a:t>
+              <a:t>12</a:t>
             </a:fld>
             <a:endParaRPr lang="de-DE"/>
           </a:p>
@@ -4364,6 +4534,123 @@
           </a:p>
         </p:txBody>
       </p:sp>
+      <p:pic>
+        <p:nvPicPr>
+          <p:cNvPr id="18" name="Graphic 17" descr="Checkmark">
+            <a:extLst>
+              <a:ext uri="{FF2B5EF4-FFF2-40B4-BE49-F238E27FC236}">
+                <a16:creationId xmlns:a16="http://schemas.microsoft.com/office/drawing/2014/main" id="{61654804-4628-614A-8A58-B9D32241439A}"/>
+              </a:ext>
+            </a:extLst>
+          </p:cNvPr>
+          <p:cNvPicPr>
+            <a:picLocks noChangeAspect="1"/>
+          </p:cNvPicPr>
+          <p:nvPr/>
+        </p:nvPicPr>
+        <p:blipFill>
+          <a:blip r:embed="rId3">
+            <a:extLst>
+              <a:ext uri="{28A0092B-C50C-407E-A947-70E740481C1C}">
+                <a14:useLocalDpi xmlns:a14="http://schemas.microsoft.com/office/drawing/2010/main" val="0"/>
+              </a:ext>
+              <a:ext uri="{96DAC541-7B7A-43D3-8B79-37D633B846F1}">
+                <asvg:svgBlip xmlns:asvg="http://schemas.microsoft.com/office/drawing/2016/SVG/main" r:embed="rId4"/>
+              </a:ext>
+            </a:extLst>
+          </a:blip>
+          <a:stretch>
+            <a:fillRect/>
+          </a:stretch>
+        </p:blipFill>
+        <p:spPr>
+          <a:xfrm>
+            <a:off x="6340708" y="2493690"/>
+            <a:ext cx="360040" cy="360040"/>
+          </a:xfrm>
+          <a:prstGeom prst="rect">
+            <a:avLst/>
+          </a:prstGeom>
+        </p:spPr>
+      </p:pic>
+      <p:pic>
+        <p:nvPicPr>
+          <p:cNvPr id="19" name="Graphic 18" descr="Checkmark">
+            <a:extLst>
+              <a:ext uri="{FF2B5EF4-FFF2-40B4-BE49-F238E27FC236}">
+                <a16:creationId xmlns:a16="http://schemas.microsoft.com/office/drawing/2014/main" id="{37B5FFBA-4755-F143-A94B-DB7EF44F5B3D}"/>
+              </a:ext>
+            </a:extLst>
+          </p:cNvPr>
+          <p:cNvPicPr>
+            <a:picLocks noChangeAspect="1"/>
+          </p:cNvPicPr>
+          <p:nvPr/>
+        </p:nvPicPr>
+        <p:blipFill>
+          <a:blip r:embed="rId3">
+            <a:extLst>
+              <a:ext uri="{28A0092B-C50C-407E-A947-70E740481C1C}">
+                <a14:useLocalDpi xmlns:a14="http://schemas.microsoft.com/office/drawing/2010/main" val="0"/>
+              </a:ext>
+              <a:ext uri="{96DAC541-7B7A-43D3-8B79-37D633B846F1}">
+                <asvg:svgBlip xmlns:asvg="http://schemas.microsoft.com/office/drawing/2016/SVG/main" r:embed="rId4"/>
+              </a:ext>
+            </a:extLst>
+          </a:blip>
+          <a:stretch>
+            <a:fillRect/>
+          </a:stretch>
+        </p:blipFill>
+        <p:spPr>
+          <a:xfrm>
+            <a:off x="6340708" y="3606025"/>
+            <a:ext cx="360040" cy="360040"/>
+          </a:xfrm>
+          <a:prstGeom prst="rect">
+            <a:avLst/>
+          </a:prstGeom>
+        </p:spPr>
+      </p:pic>
+      <p:pic>
+        <p:nvPicPr>
+          <p:cNvPr id="20" name="Graphic 19" descr="Checkmark">
+            <a:extLst>
+              <a:ext uri="{FF2B5EF4-FFF2-40B4-BE49-F238E27FC236}">
+                <a16:creationId xmlns:a16="http://schemas.microsoft.com/office/drawing/2014/main" id="{5C317866-9B54-504E-BB1A-52E4ACF842A1}"/>
+              </a:ext>
+            </a:extLst>
+          </p:cNvPr>
+          <p:cNvPicPr>
+            <a:picLocks noChangeAspect="1"/>
+          </p:cNvPicPr>
+          <p:nvPr/>
+        </p:nvPicPr>
+        <p:blipFill>
+          <a:blip r:embed="rId3">
+            <a:extLst>
+              <a:ext uri="{28A0092B-C50C-407E-A947-70E740481C1C}">
+                <a14:useLocalDpi xmlns:a14="http://schemas.microsoft.com/office/drawing/2010/main" val="0"/>
+              </a:ext>
+              <a:ext uri="{96DAC541-7B7A-43D3-8B79-37D633B846F1}">
+                <asvg:svgBlip xmlns:asvg="http://schemas.microsoft.com/office/drawing/2016/SVG/main" r:embed="rId4"/>
+              </a:ext>
+            </a:extLst>
+          </a:blip>
+          <a:stretch>
+            <a:fillRect/>
+          </a:stretch>
+        </p:blipFill>
+        <p:spPr>
+          <a:xfrm>
+            <a:off x="6340708" y="4680181"/>
+            <a:ext cx="360040" cy="360040"/>
+          </a:xfrm>
+          <a:prstGeom prst="rect">
+            <a:avLst/>
+          </a:prstGeom>
+        </p:spPr>
+      </p:pic>
     </p:spTree>
     <p:extLst>
       <p:ext uri="{BB962C8B-B14F-4D97-AF65-F5344CB8AC3E}">
@@ -4374,190 +4661,468 @@
   <p:clrMapOvr>
     <a:masterClrMapping/>
   </p:clrMapOvr>
-</p:sld>
-</file>
-
-<file path=ppt/slides/slide12.xml><?xml version="1.0" encoding="utf-8"?>
-<p:sld xmlns:a="http://schemas.openxmlformats.org/drawingml/2006/main" xmlns:r="http://schemas.openxmlformats.org/officeDocument/2006/relationships" xmlns:p="http://schemas.openxmlformats.org/presentationml/2006/main">
-  <p:cSld>
-    <p:spTree>
-      <p:nvGrpSpPr>
-        <p:cNvPr id="1" name=""/>
-        <p:cNvGrpSpPr/>
-        <p:nvPr/>
-      </p:nvGrpSpPr>
-      <p:grpSpPr>
-        <a:xfrm>
-          <a:off x="0" y="0"/>
-          <a:ext cx="0" cy="0"/>
-          <a:chOff x="0" y="0"/>
-          <a:chExt cx="0" cy="0"/>
-        </a:xfrm>
-      </p:grpSpPr>
-      <p:sp>
-        <p:nvSpPr>
-          <p:cNvPr id="2" name="Title 1">
-            <a:extLst>
-              <a:ext uri="{FF2B5EF4-FFF2-40B4-BE49-F238E27FC236}">
-                <a16:creationId xmlns:a16="http://schemas.microsoft.com/office/drawing/2014/main" id="{C23FB539-C4BD-F94B-8110-2ACE1635F274}"/>
-              </a:ext>
-            </a:extLst>
-          </p:cNvPr>
-          <p:cNvSpPr>
-            <a:spLocks noGrp="1"/>
-          </p:cNvSpPr>
-          <p:nvPr>
-            <p:ph type="title"/>
-          </p:nvPr>
-        </p:nvSpPr>
-        <p:spPr/>
-        <p:txBody>
-          <a:bodyPr/>
-          <a:lstStyle/>
-          <a:p>
-            <a:endParaRPr lang="en-US" dirty="0"/>
-          </a:p>
-        </p:txBody>
-      </p:sp>
-      <p:sp>
-        <p:nvSpPr>
-          <p:cNvPr id="3" name="Text Placeholder 2">
-            <a:extLst>
-              <a:ext uri="{FF2B5EF4-FFF2-40B4-BE49-F238E27FC236}">
-                <a16:creationId xmlns:a16="http://schemas.microsoft.com/office/drawing/2014/main" id="{38417BE5-1F43-9540-98EB-5AC130C80A04}"/>
-              </a:ext>
-            </a:extLst>
-          </p:cNvPr>
-          <p:cNvSpPr>
-            <a:spLocks noGrp="1"/>
-          </p:cNvSpPr>
-          <p:nvPr>
-            <p:ph type="body" idx="1"/>
-          </p:nvPr>
-        </p:nvSpPr>
-        <p:spPr/>
-        <p:txBody>
-          <a:bodyPr/>
-          <a:lstStyle/>
-          <a:p>
-            <a:endParaRPr lang="en-US"/>
-          </a:p>
-        </p:txBody>
-      </p:sp>
-      <p:sp>
-        <p:nvSpPr>
-          <p:cNvPr id="4" name="Content Placeholder 3">
-            <a:extLst>
-              <a:ext uri="{FF2B5EF4-FFF2-40B4-BE49-F238E27FC236}">
-                <a16:creationId xmlns:a16="http://schemas.microsoft.com/office/drawing/2014/main" id="{345B730B-1F1C-7F40-A0EB-C2FBF5F37385}"/>
-              </a:ext>
-            </a:extLst>
-          </p:cNvPr>
-          <p:cNvSpPr>
-            <a:spLocks noGrp="1"/>
-          </p:cNvSpPr>
-          <p:nvPr>
-            <p:ph sz="half" idx="2"/>
-          </p:nvPr>
-        </p:nvSpPr>
-        <p:spPr/>
-        <p:txBody>
-          <a:bodyPr/>
-          <a:lstStyle/>
-          <a:p>
-            <a:endParaRPr lang="en-US"/>
-          </a:p>
-        </p:txBody>
-      </p:sp>
-      <p:sp>
-        <p:nvSpPr>
-          <p:cNvPr id="5" name="Text Placeholder 4">
-            <a:extLst>
-              <a:ext uri="{FF2B5EF4-FFF2-40B4-BE49-F238E27FC236}">
-                <a16:creationId xmlns:a16="http://schemas.microsoft.com/office/drawing/2014/main" id="{8D99CB7E-6E52-7143-825C-380E66D68286}"/>
-              </a:ext>
-            </a:extLst>
-          </p:cNvPr>
-          <p:cNvSpPr>
-            <a:spLocks noGrp="1"/>
-          </p:cNvSpPr>
-          <p:nvPr>
-            <p:ph type="body" sz="quarter" idx="3"/>
-          </p:nvPr>
-        </p:nvSpPr>
-        <p:spPr/>
-        <p:txBody>
-          <a:bodyPr/>
-          <a:lstStyle/>
-          <a:p>
-            <a:endParaRPr lang="en-US"/>
-          </a:p>
-        </p:txBody>
-      </p:sp>
-      <p:sp>
-        <p:nvSpPr>
-          <p:cNvPr id="6" name="Content Placeholder 5">
-            <a:extLst>
-              <a:ext uri="{FF2B5EF4-FFF2-40B4-BE49-F238E27FC236}">
-                <a16:creationId xmlns:a16="http://schemas.microsoft.com/office/drawing/2014/main" id="{45BC50F0-4136-9A45-B232-FC9382F0C533}"/>
-              </a:ext>
-            </a:extLst>
-          </p:cNvPr>
-          <p:cNvSpPr>
-            <a:spLocks noGrp="1"/>
-          </p:cNvSpPr>
-          <p:nvPr>
-            <p:ph sz="quarter" idx="4"/>
-          </p:nvPr>
-        </p:nvSpPr>
-        <p:spPr/>
-        <p:txBody>
-          <a:bodyPr/>
-          <a:lstStyle/>
-          <a:p>
-            <a:endParaRPr lang="en-US"/>
-          </a:p>
-        </p:txBody>
-      </p:sp>
-      <p:sp>
-        <p:nvSpPr>
-          <p:cNvPr id="7" name="Slide Number Placeholder 6">
-            <a:extLst>
-              <a:ext uri="{FF2B5EF4-FFF2-40B4-BE49-F238E27FC236}">
-                <a16:creationId xmlns:a16="http://schemas.microsoft.com/office/drawing/2014/main" id="{9B3732A4-C91A-9843-BED7-57860813098B}"/>
-              </a:ext>
-            </a:extLst>
-          </p:cNvPr>
-          <p:cNvSpPr>
-            <a:spLocks noGrp="1"/>
-          </p:cNvSpPr>
-          <p:nvPr>
-            <p:ph type="sldNum" sz="quarter" idx="12"/>
-          </p:nvPr>
-        </p:nvSpPr>
-        <p:spPr/>
-        <p:txBody>
-          <a:bodyPr/>
-          <a:lstStyle/>
-          <a:p>
-            <a:fld id="{FC0CC166-4E39-43B8-AB91-BDD1C4C9E224}" type="slidenum">
-              <a:rPr lang="de-DE" smtClean="0"/>
-              <a:t>12</a:t>
-            </a:fld>
-            <a:endParaRPr lang="de-DE"/>
-          </a:p>
-        </p:txBody>
-      </p:sp>
-    </p:spTree>
-    <p:extLst>
-      <p:ext uri="{BB962C8B-B14F-4D97-AF65-F5344CB8AC3E}">
-        <p14:creationId xmlns:p14="http://schemas.microsoft.com/office/powerpoint/2010/main" val="3246365185"/>
-      </p:ext>
-    </p:extLst>
-  </p:cSld>
-  <p:clrMapOvr>
-    <a:masterClrMapping/>
-  </p:clrMapOvr>
+  <p:timing>
+    <p:tnLst>
+      <p:par>
+        <p:cTn id="1" dur="indefinite" restart="never" nodeType="tmRoot">
+          <p:childTnLst>
+            <p:seq concurrent="1" nextAc="seek">
+              <p:cTn id="2" dur="indefinite" nodeType="mainSeq">
+                <p:childTnLst>
+                  <p:par>
+                    <p:cTn id="3" fill="hold">
+                      <p:stCondLst>
+                        <p:cond delay="indefinite"/>
+                        <p:cond evt="onBegin" delay="0">
+                          <p:tn val="2"/>
+                        </p:cond>
+                      </p:stCondLst>
+                      <p:childTnLst>
+                        <p:par>
+                          <p:cTn id="4" fill="hold">
+                            <p:stCondLst>
+                              <p:cond delay="0"/>
+                            </p:stCondLst>
+                            <p:childTnLst>
+                              <p:par>
+                                <p:cTn id="5" presetID="1" presetClass="entr" presetSubtype="0" fill="hold" nodeType="withEffect">
+                                  <p:stCondLst>
+                                    <p:cond delay="0"/>
+                                  </p:stCondLst>
+                                  <p:childTnLst>
+                                    <p:set>
+                                      <p:cBhvr>
+                                        <p:cTn id="6" dur="1" fill="hold">
+                                          <p:stCondLst>
+                                            <p:cond delay="0"/>
+                                          </p:stCondLst>
+                                        </p:cTn>
+                                        <p:tgtEl>
+                                          <p:spTgt spid="13">
+                                            <p:txEl>
+                                              <p:pRg st="0" end="0"/>
+                                            </p:txEl>
+                                          </p:spTgt>
+                                        </p:tgtEl>
+                                        <p:attrNameLst>
+                                          <p:attrName>style.visibility</p:attrName>
+                                        </p:attrNameLst>
+                                      </p:cBhvr>
+                                      <p:to>
+                                        <p:strVal val="visible"/>
+                                      </p:to>
+                                    </p:set>
+                                  </p:childTnLst>
+                                </p:cTn>
+                              </p:par>
+                            </p:childTnLst>
+                          </p:cTn>
+                        </p:par>
+                      </p:childTnLst>
+                    </p:cTn>
+                  </p:par>
+                  <p:par>
+                    <p:cTn id="7" fill="hold">
+                      <p:stCondLst>
+                        <p:cond delay="indefinite"/>
+                      </p:stCondLst>
+                      <p:childTnLst>
+                        <p:par>
+                          <p:cTn id="8" fill="hold">
+                            <p:stCondLst>
+                              <p:cond delay="0"/>
+                            </p:stCondLst>
+                            <p:childTnLst>
+                              <p:par>
+                                <p:cTn id="9" presetID="1" presetClass="entr" presetSubtype="0" fill="hold" nodeType="clickEffect">
+                                  <p:stCondLst>
+                                    <p:cond delay="0"/>
+                                  </p:stCondLst>
+                                  <p:childTnLst>
+                                    <p:set>
+                                      <p:cBhvr>
+                                        <p:cTn id="10" dur="1" fill="hold">
+                                          <p:stCondLst>
+                                            <p:cond delay="0"/>
+                                          </p:stCondLst>
+                                        </p:cTn>
+                                        <p:tgtEl>
+                                          <p:spTgt spid="13">
+                                            <p:txEl>
+                                              <p:pRg st="1" end="1"/>
+                                            </p:txEl>
+                                          </p:spTgt>
+                                        </p:tgtEl>
+                                        <p:attrNameLst>
+                                          <p:attrName>style.visibility</p:attrName>
+                                        </p:attrNameLst>
+                                      </p:cBhvr>
+                                      <p:to>
+                                        <p:strVal val="visible"/>
+                                      </p:to>
+                                    </p:set>
+                                  </p:childTnLst>
+                                </p:cTn>
+                              </p:par>
+                            </p:childTnLst>
+                          </p:cTn>
+                        </p:par>
+                      </p:childTnLst>
+                    </p:cTn>
+                  </p:par>
+                  <p:par>
+                    <p:cTn id="11" fill="hold">
+                      <p:stCondLst>
+                        <p:cond delay="indefinite"/>
+                      </p:stCondLst>
+                      <p:childTnLst>
+                        <p:par>
+                          <p:cTn id="12" fill="hold">
+                            <p:stCondLst>
+                              <p:cond delay="0"/>
+                            </p:stCondLst>
+                            <p:childTnLst>
+                              <p:par>
+                                <p:cTn id="13" presetID="1" presetClass="entr" presetSubtype="0" fill="hold" nodeType="clickEffect">
+                                  <p:stCondLst>
+                                    <p:cond delay="0"/>
+                                  </p:stCondLst>
+                                  <p:childTnLst>
+                                    <p:set>
+                                      <p:cBhvr>
+                                        <p:cTn id="14" dur="1" fill="hold">
+                                          <p:stCondLst>
+                                            <p:cond delay="0"/>
+                                          </p:stCondLst>
+                                        </p:cTn>
+                                        <p:tgtEl>
+                                          <p:spTgt spid="18"/>
+                                        </p:tgtEl>
+                                        <p:attrNameLst>
+                                          <p:attrName>style.visibility</p:attrName>
+                                        </p:attrNameLst>
+                                      </p:cBhvr>
+                                      <p:to>
+                                        <p:strVal val="visible"/>
+                                      </p:to>
+                                    </p:set>
+                                  </p:childTnLst>
+                                </p:cTn>
+                              </p:par>
+                            </p:childTnLst>
+                          </p:cTn>
+                        </p:par>
+                      </p:childTnLst>
+                    </p:cTn>
+                  </p:par>
+                  <p:par>
+                    <p:cTn id="15" fill="hold">
+                      <p:stCondLst>
+                        <p:cond delay="indefinite"/>
+                      </p:stCondLst>
+                      <p:childTnLst>
+                        <p:par>
+                          <p:cTn id="16" fill="hold">
+                            <p:stCondLst>
+                              <p:cond delay="0"/>
+                            </p:stCondLst>
+                            <p:childTnLst>
+                              <p:par>
+                                <p:cTn id="17" presetID="1" presetClass="entr" presetSubtype="0" fill="hold" nodeType="clickEffect">
+                                  <p:stCondLst>
+                                    <p:cond delay="0"/>
+                                  </p:stCondLst>
+                                  <p:childTnLst>
+                                    <p:set>
+                                      <p:cBhvr>
+                                        <p:cTn id="18" dur="1" fill="hold">
+                                          <p:stCondLst>
+                                            <p:cond delay="0"/>
+                                          </p:stCondLst>
+                                        </p:cTn>
+                                        <p:tgtEl>
+                                          <p:spTgt spid="13">
+                                            <p:txEl>
+                                              <p:pRg st="2" end="2"/>
+                                            </p:txEl>
+                                          </p:spTgt>
+                                        </p:tgtEl>
+                                        <p:attrNameLst>
+                                          <p:attrName>style.visibility</p:attrName>
+                                        </p:attrNameLst>
+                                      </p:cBhvr>
+                                      <p:to>
+                                        <p:strVal val="visible"/>
+                                      </p:to>
+                                    </p:set>
+                                  </p:childTnLst>
+                                </p:cTn>
+                              </p:par>
+                            </p:childTnLst>
+                          </p:cTn>
+                        </p:par>
+                      </p:childTnLst>
+                    </p:cTn>
+                  </p:par>
+                  <p:par>
+                    <p:cTn id="19" fill="hold">
+                      <p:stCondLst>
+                        <p:cond delay="indefinite"/>
+                      </p:stCondLst>
+                      <p:childTnLst>
+                        <p:par>
+                          <p:cTn id="20" fill="hold">
+                            <p:stCondLst>
+                              <p:cond delay="0"/>
+                            </p:stCondLst>
+                            <p:childTnLst>
+                              <p:par>
+                                <p:cTn id="21" presetID="1" presetClass="entr" presetSubtype="0" fill="hold" nodeType="clickEffect">
+                                  <p:stCondLst>
+                                    <p:cond delay="0"/>
+                                  </p:stCondLst>
+                                  <p:childTnLst>
+                                    <p:set>
+                                      <p:cBhvr>
+                                        <p:cTn id="22" dur="1" fill="hold">
+                                          <p:stCondLst>
+                                            <p:cond delay="0"/>
+                                          </p:stCondLst>
+                                        </p:cTn>
+                                        <p:tgtEl>
+                                          <p:spTgt spid="13">
+                                            <p:txEl>
+                                              <p:pRg st="3" end="3"/>
+                                            </p:txEl>
+                                          </p:spTgt>
+                                        </p:tgtEl>
+                                        <p:attrNameLst>
+                                          <p:attrName>style.visibility</p:attrName>
+                                        </p:attrNameLst>
+                                      </p:cBhvr>
+                                      <p:to>
+                                        <p:strVal val="visible"/>
+                                      </p:to>
+                                    </p:set>
+                                  </p:childTnLst>
+                                </p:cTn>
+                              </p:par>
+                            </p:childTnLst>
+                          </p:cTn>
+                        </p:par>
+                      </p:childTnLst>
+                    </p:cTn>
+                  </p:par>
+                  <p:par>
+                    <p:cTn id="23" fill="hold">
+                      <p:stCondLst>
+                        <p:cond delay="indefinite"/>
+                      </p:stCondLst>
+                      <p:childTnLst>
+                        <p:par>
+                          <p:cTn id="24" fill="hold">
+                            <p:stCondLst>
+                              <p:cond delay="0"/>
+                            </p:stCondLst>
+                            <p:childTnLst>
+                              <p:par>
+                                <p:cTn id="25" presetID="1" presetClass="entr" presetSubtype="0" fill="hold" nodeType="clickEffect">
+                                  <p:stCondLst>
+                                    <p:cond delay="0"/>
+                                  </p:stCondLst>
+                                  <p:childTnLst>
+                                    <p:set>
+                                      <p:cBhvr>
+                                        <p:cTn id="26" dur="1" fill="hold">
+                                          <p:stCondLst>
+                                            <p:cond delay="0"/>
+                                          </p:stCondLst>
+                                        </p:cTn>
+                                        <p:tgtEl>
+                                          <p:spTgt spid="19"/>
+                                        </p:tgtEl>
+                                        <p:attrNameLst>
+                                          <p:attrName>style.visibility</p:attrName>
+                                        </p:attrNameLst>
+                                      </p:cBhvr>
+                                      <p:to>
+                                        <p:strVal val="visible"/>
+                                      </p:to>
+                                    </p:set>
+                                  </p:childTnLst>
+                                </p:cTn>
+                              </p:par>
+                            </p:childTnLst>
+                          </p:cTn>
+                        </p:par>
+                      </p:childTnLst>
+                    </p:cTn>
+                  </p:par>
+                  <p:par>
+                    <p:cTn id="27" fill="hold">
+                      <p:stCondLst>
+                        <p:cond delay="indefinite"/>
+                      </p:stCondLst>
+                      <p:childTnLst>
+                        <p:par>
+                          <p:cTn id="28" fill="hold">
+                            <p:stCondLst>
+                              <p:cond delay="0"/>
+                            </p:stCondLst>
+                            <p:childTnLst>
+                              <p:par>
+                                <p:cTn id="29" presetID="1" presetClass="entr" presetSubtype="0" fill="hold" nodeType="clickEffect">
+                                  <p:stCondLst>
+                                    <p:cond delay="0"/>
+                                  </p:stCondLst>
+                                  <p:childTnLst>
+                                    <p:set>
+                                      <p:cBhvr>
+                                        <p:cTn id="30" dur="1" fill="hold">
+                                          <p:stCondLst>
+                                            <p:cond delay="0"/>
+                                          </p:stCondLst>
+                                        </p:cTn>
+                                        <p:tgtEl>
+                                          <p:spTgt spid="13">
+                                            <p:txEl>
+                                              <p:pRg st="4" end="4"/>
+                                            </p:txEl>
+                                          </p:spTgt>
+                                        </p:tgtEl>
+                                        <p:attrNameLst>
+                                          <p:attrName>style.visibility</p:attrName>
+                                        </p:attrNameLst>
+                                      </p:cBhvr>
+                                      <p:to>
+                                        <p:strVal val="visible"/>
+                                      </p:to>
+                                    </p:set>
+                                  </p:childTnLst>
+                                </p:cTn>
+                              </p:par>
+                            </p:childTnLst>
+                          </p:cTn>
+                        </p:par>
+                      </p:childTnLst>
+                    </p:cTn>
+                  </p:par>
+                  <p:par>
+                    <p:cTn id="31" fill="hold">
+                      <p:stCondLst>
+                        <p:cond delay="indefinite"/>
+                      </p:stCondLst>
+                      <p:childTnLst>
+                        <p:par>
+                          <p:cTn id="32" fill="hold">
+                            <p:stCondLst>
+                              <p:cond delay="0"/>
+                            </p:stCondLst>
+                            <p:childTnLst>
+                              <p:par>
+                                <p:cTn id="33" presetID="1" presetClass="entr" presetSubtype="0" fill="hold" nodeType="clickEffect">
+                                  <p:stCondLst>
+                                    <p:cond delay="0"/>
+                                  </p:stCondLst>
+                                  <p:childTnLst>
+                                    <p:set>
+                                      <p:cBhvr>
+                                        <p:cTn id="34" dur="1" fill="hold">
+                                          <p:stCondLst>
+                                            <p:cond delay="0"/>
+                                          </p:stCondLst>
+                                        </p:cTn>
+                                        <p:tgtEl>
+                                          <p:spTgt spid="13">
+                                            <p:txEl>
+                                              <p:pRg st="5" end="5"/>
+                                            </p:txEl>
+                                          </p:spTgt>
+                                        </p:tgtEl>
+                                        <p:attrNameLst>
+                                          <p:attrName>style.visibility</p:attrName>
+                                        </p:attrNameLst>
+                                      </p:cBhvr>
+                                      <p:to>
+                                        <p:strVal val="visible"/>
+                                      </p:to>
+                                    </p:set>
+                                  </p:childTnLst>
+                                </p:cTn>
+                              </p:par>
+                            </p:childTnLst>
+                          </p:cTn>
+                        </p:par>
+                      </p:childTnLst>
+                    </p:cTn>
+                  </p:par>
+                  <p:par>
+                    <p:cTn id="35" fill="hold">
+                      <p:stCondLst>
+                        <p:cond delay="indefinite"/>
+                      </p:stCondLst>
+                      <p:childTnLst>
+                        <p:par>
+                          <p:cTn id="36" fill="hold">
+                            <p:stCondLst>
+                              <p:cond delay="0"/>
+                            </p:stCondLst>
+                            <p:childTnLst>
+                              <p:par>
+                                <p:cTn id="37" presetID="1" presetClass="entr" presetSubtype="0" fill="hold" nodeType="clickEffect">
+                                  <p:stCondLst>
+                                    <p:cond delay="0"/>
+                                  </p:stCondLst>
+                                  <p:childTnLst>
+                                    <p:set>
+                                      <p:cBhvr>
+                                        <p:cTn id="38" dur="1" fill="hold">
+                                          <p:stCondLst>
+                                            <p:cond delay="0"/>
+                                          </p:stCondLst>
+                                        </p:cTn>
+                                        <p:tgtEl>
+                                          <p:spTgt spid="20"/>
+                                        </p:tgtEl>
+                                        <p:attrNameLst>
+                                          <p:attrName>style.visibility</p:attrName>
+                                        </p:attrNameLst>
+                                      </p:cBhvr>
+                                      <p:to>
+                                        <p:strVal val="visible"/>
+                                      </p:to>
+                                    </p:set>
+                                  </p:childTnLst>
+                                </p:cTn>
+                              </p:par>
+                            </p:childTnLst>
+                          </p:cTn>
+                        </p:par>
+                      </p:childTnLst>
+                    </p:cTn>
+                  </p:par>
+                </p:childTnLst>
+              </p:cTn>
+              <p:prevCondLst>
+                <p:cond evt="onPrev" delay="0">
+                  <p:tgtEl>
+                    <p:sldTgt/>
+                  </p:tgtEl>
+                </p:cond>
+              </p:prevCondLst>
+              <p:nextCondLst>
+                <p:cond evt="onNext" delay="0">
+                  <p:tgtEl>
+                    <p:sldTgt/>
+                  </p:tgtEl>
+                </p:cond>
+              </p:nextCondLst>
+            </p:seq>
+          </p:childTnLst>
+        </p:cTn>
+      </p:par>
+    </p:tnLst>
+  </p:timing>
 </p:sld>
 </file>
 
@@ -4622,7 +5187,12 @@
             <p:ph idx="1"/>
           </p:nvPr>
         </p:nvSpPr>
-        <p:spPr/>
+        <p:spPr>
+          <a:xfrm>
+            <a:off x="1378800" y="1701602"/>
+            <a:ext cx="9432000" cy="4896544"/>
+          </a:xfrm>
+        </p:spPr>
         <p:txBody>
           <a:bodyPr/>
           <a:lstStyle/>
@@ -4631,10 +5201,9 @@
               <a:buNone/>
             </a:pPr>
             <a:r>
-              <a:rPr lang="en-US" sz="1200" dirty="0"/>
+              <a:rPr lang="en-US" sz="1200" u="sng" dirty="0"/>
               <a:t>Effects of air pollution: </a:t>
             </a:r>
-            <a:endParaRPr lang="en-US" sz="1400" dirty="0"/>
           </a:p>
           <a:p>
             <a:pPr marL="0" indent="0">
@@ -4690,16 +5259,364 @@
             </a:pPr>
             <a:r>
               <a:rPr lang="en-US" sz="1200" dirty="0"/>
-              <a:t>[4] https://</a:t>
+              <a:t>[4] </a:t>
+            </a:r>
+            <a:r>
+              <a:rPr lang="en-US" sz="1200" dirty="0">
+                <a:hlinkClick r:id="rId5"/>
+              </a:rPr>
+              <a:t>https://www.who.int/air-pollution/news-and-events/how-air-pollution-is-destroying-our-health</a:t>
+            </a:r>
+            <a:endParaRPr lang="en-US" sz="1200" dirty="0"/>
+          </a:p>
+          <a:p>
+            <a:pPr marL="0" indent="0">
+              <a:buNone/>
+            </a:pPr>
+            <a:endParaRPr lang="en-US" sz="1200" dirty="0"/>
+          </a:p>
+          <a:p>
+            <a:pPr marL="0" indent="0">
+              <a:buNone/>
+            </a:pPr>
+            <a:r>
+              <a:rPr lang="en-US" sz="1200" u="sng" dirty="0"/>
+              <a:t>Existing approaches:</a:t>
+            </a:r>
+          </a:p>
+          <a:p>
+            <a:pPr marL="0" indent="0">
+              <a:buNone/>
+            </a:pPr>
+            <a:r>
+              <a:rPr lang="en-US" sz="1200" dirty="0"/>
+              <a:t>[5]  S. Nagaraj and R. V. </a:t>
             </a:r>
             <a:r>
               <a:rPr lang="en-US" sz="1200" dirty="0" err="1"/>
-              <a:t>www.who.int</a:t>
+              <a:t>Biradar</a:t>
             </a:r>
             <a:r>
               <a:rPr lang="en-US" sz="1200" dirty="0"/>
-              <a:t>/air-pollution/news-and-events/how-air-pollution-is-destroying-our-health</a:t>
-            </a:r>
+              <a:t>, “Applications of wireless sensor networks in the real-time ambient air pollution monitoring and air quality in metropolitan cities — a survey,” in </a:t>
+            </a:r>
+            <a:r>
+              <a:rPr lang="en-US" sz="1200" i="1" dirty="0"/>
+              <a:t>2017 International Conference On Smart Technologies For Smart Nation (</a:t>
+            </a:r>
+            <a:r>
+              <a:rPr lang="en-US" sz="1200" i="1" dirty="0" err="1"/>
+              <a:t>SmartTechCon</a:t>
+            </a:r>
+            <a:r>
+              <a:rPr lang="en-US" sz="1200" i="1" dirty="0"/>
+              <a:t>)</a:t>
+            </a:r>
+            <a:r>
+              <a:rPr lang="en-US" sz="1200" dirty="0"/>
+              <a:t>. IEEE, 17.08.2017 - 19.08.2017, pp. 1393–1398. </a:t>
+            </a:r>
+          </a:p>
+          <a:p>
+            <a:pPr marL="0" indent="0">
+              <a:buNone/>
+            </a:pPr>
+            <a:r>
+              <a:rPr lang="en-US" sz="1200" dirty="0"/>
+              <a:t>[6]  J. Dutta, F. Gazi, S. Roy, and C. Chowdhury, “</a:t>
+            </a:r>
+            <a:r>
+              <a:rPr lang="en-US" sz="1200" dirty="0" err="1"/>
+              <a:t>Airsense</a:t>
+            </a:r>
+            <a:r>
+              <a:rPr lang="en-US" sz="1200" dirty="0"/>
+              <a:t>: Opportunistic crowd-sensing based air quality monitoring system for smart city,” in </a:t>
+            </a:r>
+            <a:r>
+              <a:rPr lang="en-US" sz="1200" i="1" dirty="0"/>
+              <a:t>2016 IEEE SENSORS</a:t>
+            </a:r>
+            <a:r>
+              <a:rPr lang="en-US" sz="1200" dirty="0"/>
+              <a:t>. IEEE, 30.10.2016 - 03.11.2016, pp. 1–3. </a:t>
+            </a:r>
+          </a:p>
+          <a:p>
+            <a:pPr marL="0" indent="0">
+              <a:buNone/>
+            </a:pPr>
+            <a:r>
+              <a:rPr lang="en-US" sz="1200" dirty="0"/>
+              <a:t>[7]  Y. Mehta, M. M. M. </a:t>
+            </a:r>
+            <a:r>
+              <a:rPr lang="en-US" sz="1200" dirty="0" err="1"/>
+              <a:t>Pai</a:t>
+            </a:r>
+            <a:r>
+              <a:rPr lang="en-US" sz="1200" dirty="0"/>
+              <a:t>, S. </a:t>
+            </a:r>
+            <a:r>
+              <a:rPr lang="en-US" sz="1200" dirty="0" err="1"/>
+              <a:t>Mallissery</a:t>
+            </a:r>
+            <a:r>
+              <a:rPr lang="en-US" sz="1200" dirty="0"/>
+              <a:t>, and S. Singh, “Cloud enabled air quality detection, analysis and prediction - a smart city application for smart health,” in </a:t>
+            </a:r>
+            <a:r>
+              <a:rPr lang="en-US" sz="1200" i="1" dirty="0"/>
+              <a:t>2016 3rd MEC International Conference on Big Data and Smart City (ICBDSC)</a:t>
+            </a:r>
+            <a:r>
+              <a:rPr lang="en-US" sz="1200" dirty="0"/>
+              <a:t>. IEEE, 15.03.2016 - 16.03.2016, pp. 1–7. </a:t>
+            </a:r>
+          </a:p>
+          <a:p>
+            <a:pPr marL="0" indent="0">
+              <a:buNone/>
+            </a:pPr>
+            <a:r>
+              <a:rPr lang="en-US" sz="1200" dirty="0"/>
+              <a:t>[8]  I. </a:t>
+            </a:r>
+            <a:r>
+              <a:rPr lang="en-US" sz="1200" dirty="0" err="1"/>
+              <a:t>Kok</a:t>
+            </a:r>
+            <a:r>
+              <a:rPr lang="en-US" sz="1200" dirty="0"/>
+              <a:t>, M. U. </a:t>
+            </a:r>
+            <a:r>
+              <a:rPr lang="en-US" sz="1200" dirty="0" err="1"/>
+              <a:t>Simsek</a:t>
+            </a:r>
+            <a:r>
+              <a:rPr lang="en-US" sz="1200" dirty="0"/>
+              <a:t>, and S. </a:t>
+            </a:r>
+            <a:r>
+              <a:rPr lang="en-US" sz="1200" dirty="0" err="1"/>
+              <a:t>Ozdemir</a:t>
+            </a:r>
+            <a:r>
+              <a:rPr lang="en-US" sz="1200" dirty="0"/>
+              <a:t>, “A deep learning model for air quality prediction in smart cities,” in </a:t>
+            </a:r>
+            <a:r>
+              <a:rPr lang="en-US" sz="1200" i="1" dirty="0"/>
+              <a:t>2017 IEEE International Conference on Big Data (Big Data)</a:t>
+            </a:r>
+            <a:r>
+              <a:rPr lang="en-US" sz="1200" dirty="0"/>
+              <a:t>. IEEE, 11.12.2017 - 14.12.2017, pp. 1983–1990. </a:t>
+            </a:r>
+          </a:p>
+          <a:p>
+            <a:pPr marL="0" indent="0">
+              <a:buNone/>
+            </a:pPr>
+            <a:r>
+              <a:rPr lang="en-US" sz="1200" dirty="0"/>
+              <a:t>[9]  L. Mittal and T. Baker, “London air quality net- </a:t>
+            </a:r>
+          </a:p>
+          <a:p>
+            <a:pPr marL="0" indent="0">
+              <a:buNone/>
+            </a:pPr>
+            <a:r>
+              <a:rPr lang="en-US" sz="1200" dirty="0"/>
+              <a:t>work summary report 2017,” 2018. [Online]. Avail- able: https://</a:t>
+            </a:r>
+            <a:r>
+              <a:rPr lang="en-US" sz="1200" dirty="0" err="1"/>
+              <a:t>www.londonair.org.uk</a:t>
+            </a:r>
+            <a:r>
+              <a:rPr lang="en-US" sz="1200" dirty="0"/>
+              <a:t>/</a:t>
+            </a:r>
+            <a:r>
+              <a:rPr lang="en-US" sz="1200" dirty="0" err="1"/>
+              <a:t>london</a:t>
+            </a:r>
+            <a:r>
+              <a:rPr lang="en-US" sz="1200" dirty="0"/>
+              <a:t>/reports/2017 LAQN Sum- </a:t>
+            </a:r>
+            <a:r>
+              <a:rPr lang="en-US" sz="1200" dirty="0" err="1"/>
+              <a:t>mary</a:t>
+            </a:r>
+            <a:r>
+              <a:rPr lang="en-US" sz="1200" dirty="0"/>
+              <a:t> </a:t>
+            </a:r>
+            <a:r>
+              <a:rPr lang="en-US" sz="1200" dirty="0" err="1"/>
+              <a:t>Report.pdf</a:t>
+            </a:r>
+            <a:r>
+              <a:rPr lang="en-US" sz="1200" dirty="0"/>
+              <a:t> </a:t>
+            </a:r>
+          </a:p>
+          <a:p>
+            <a:pPr marL="0" indent="0">
+              <a:buNone/>
+            </a:pPr>
+            <a:r>
+              <a:rPr lang="en-US" sz="1200" dirty="0"/>
+              <a:t>[10]  L. Adler, “Monitoring air quality and the impacts of pollution: Three cities are harnessing new technologies to enhance their understanding of where pollutants emerge &amp; monitor health impacts.” 2015. [Online]. Available: https://</a:t>
+            </a:r>
+            <a:r>
+              <a:rPr lang="en-US" sz="1200" dirty="0" err="1"/>
+              <a:t>datasmart.ash.harvard.edu</a:t>
+            </a:r>
+            <a:r>
+              <a:rPr lang="en-US" sz="1200" dirty="0"/>
+              <a:t>/news/article/monitoring- air-quality-and-the-impacts-of-pollution-679 </a:t>
+            </a:r>
+          </a:p>
+          <a:p>
+            <a:pPr marL="0" indent="0">
+              <a:buNone/>
+            </a:pPr>
+            <a:r>
+              <a:rPr lang="en-US" sz="1200" dirty="0"/>
+              <a:t>[11]  </a:t>
+            </a:r>
+            <a:r>
+              <a:rPr lang="en-US" sz="1200" dirty="0" err="1"/>
+              <a:t>Landesanstalt</a:t>
+            </a:r>
+            <a:r>
+              <a:rPr lang="en-US" sz="1200" dirty="0"/>
+              <a:t> </a:t>
+            </a:r>
+            <a:r>
+              <a:rPr lang="en-US" sz="1200" dirty="0" err="1"/>
+              <a:t>fu</a:t>
+            </a:r>
+            <a:r>
+              <a:rPr lang="en-US" sz="1200" dirty="0"/>
+              <a:t> ̈r Umwelt Baden-Wu ̈</a:t>
+            </a:r>
+            <a:r>
+              <a:rPr lang="en-US" sz="1200" dirty="0" err="1"/>
+              <a:t>rttemberg</a:t>
+            </a:r>
+            <a:r>
+              <a:rPr lang="en-US" sz="1200" dirty="0"/>
+              <a:t>, “U ̈</a:t>
+            </a:r>
+            <a:r>
+              <a:rPr lang="en-US" sz="1200" dirty="0" err="1"/>
+              <a:t>berwachung</a:t>
+            </a:r>
+            <a:r>
+              <a:rPr lang="en-US" sz="1200" dirty="0"/>
+              <a:t> von </a:t>
+            </a:r>
+            <a:r>
+              <a:rPr lang="en-US" sz="1200" dirty="0" err="1"/>
+              <a:t>luftschadstoffen</a:t>
+            </a:r>
+            <a:r>
+              <a:rPr lang="en-US" sz="1200" dirty="0"/>
+              <a:t>: </a:t>
+            </a:r>
+            <a:r>
+              <a:rPr lang="en-US" sz="1200" dirty="0" err="1"/>
+              <a:t>Wie</a:t>
+            </a:r>
+            <a:r>
+              <a:rPr lang="en-US" sz="1200" dirty="0"/>
+              <a:t> </a:t>
+            </a:r>
+            <a:r>
+              <a:rPr lang="en-US" sz="1200" dirty="0" err="1"/>
+              <a:t>misst</a:t>
+            </a:r>
+            <a:r>
+              <a:rPr lang="en-US" sz="1200" dirty="0"/>
+              <a:t> die </a:t>
+            </a:r>
+            <a:r>
+              <a:rPr lang="en-US" sz="1200" dirty="0" err="1"/>
+              <a:t>lubw</a:t>
+            </a:r>
+            <a:r>
+              <a:rPr lang="en-US" sz="1200" dirty="0"/>
+              <a:t>? (</a:t>
+            </a:r>
+            <a:r>
+              <a:rPr lang="en-US" sz="1200" dirty="0" err="1"/>
+              <a:t>faqs</a:t>
+            </a:r>
+            <a:r>
+              <a:rPr lang="en-US" sz="1200" dirty="0"/>
+              <a:t>).” [Online]. Available: https://</a:t>
+            </a:r>
+            <a:r>
+              <a:rPr lang="en-US" sz="1200" dirty="0" err="1"/>
+              <a:t>www.lubw.baden-wuerttemberg.de</a:t>
+            </a:r>
+            <a:r>
+              <a:rPr lang="en-US" sz="1200" dirty="0"/>
+              <a:t>/</a:t>
+            </a:r>
+            <a:r>
+              <a:rPr lang="en-US" sz="1200" dirty="0" err="1"/>
+              <a:t>luft</a:t>
+            </a:r>
+            <a:r>
+              <a:rPr lang="en-US" sz="1200" dirty="0"/>
+              <a:t>/</a:t>
+            </a:r>
+            <a:r>
+              <a:rPr lang="en-US" sz="1200" dirty="0" err="1"/>
+              <a:t>wie</a:t>
+            </a:r>
+            <a:r>
+              <a:rPr lang="en-US" sz="1200" dirty="0"/>
+              <a:t>-</a:t>
+            </a:r>
+            <a:r>
+              <a:rPr lang="en-US" sz="1200" dirty="0" err="1"/>
+              <a:t>misst</a:t>
+            </a:r>
+            <a:r>
+              <a:rPr lang="en-US" sz="1200" dirty="0"/>
+              <a:t>-die-</a:t>
+            </a:r>
+            <a:r>
+              <a:rPr lang="en-US" sz="1200" dirty="0" err="1"/>
+              <a:t>lubw</a:t>
+            </a:r>
+            <a:r>
+              <a:rPr lang="en-US" sz="1200" dirty="0"/>
+              <a:t>-</a:t>
+            </a:r>
+            <a:r>
+              <a:rPr lang="en-US" sz="1200" dirty="0" err="1"/>
+              <a:t>faqs</a:t>
+            </a:r>
+            <a:r>
+              <a:rPr lang="en-US" sz="1200" dirty="0"/>
+              <a:t> </a:t>
+            </a:r>
+          </a:p>
+          <a:p>
+            <a:pPr marL="0" indent="0">
+              <a:buNone/>
+            </a:pPr>
+            <a:endParaRPr lang="en-US" sz="1200" dirty="0"/>
           </a:p>
           <a:p>
             <a:pPr marL="0" indent="0">
@@ -4748,6 +5665,118 @@
     <p:extLst>
       <p:ext uri="{BB962C8B-B14F-4D97-AF65-F5344CB8AC3E}">
         <p14:creationId xmlns:p14="http://schemas.microsoft.com/office/powerpoint/2010/main" val="3942815417"/>
+      </p:ext>
+    </p:extLst>
+  </p:cSld>
+  <p:clrMapOvr>
+    <a:masterClrMapping/>
+  </p:clrMapOvr>
+</p:sld>
+</file>
+
+<file path=ppt/slides/slide14.xml><?xml version="1.0" encoding="utf-8"?>
+<p:sld xmlns:a="http://schemas.openxmlformats.org/drawingml/2006/main" xmlns:r="http://schemas.openxmlformats.org/officeDocument/2006/relationships" xmlns:p="http://schemas.openxmlformats.org/presentationml/2006/main">
+  <p:cSld>
+    <p:spTree>
+      <p:nvGrpSpPr>
+        <p:cNvPr id="1" name=""/>
+        <p:cNvGrpSpPr/>
+        <p:nvPr/>
+      </p:nvGrpSpPr>
+      <p:grpSpPr>
+        <a:xfrm>
+          <a:off x="0" y="0"/>
+          <a:ext cx="0" cy="0"/>
+          <a:chOff x="0" y="0"/>
+          <a:chExt cx="0" cy="0"/>
+        </a:xfrm>
+      </p:grpSpPr>
+      <p:sp>
+        <p:nvSpPr>
+          <p:cNvPr id="8" name="Title 7">
+            <a:extLst>
+              <a:ext uri="{FF2B5EF4-FFF2-40B4-BE49-F238E27FC236}">
+                <a16:creationId xmlns:a16="http://schemas.microsoft.com/office/drawing/2014/main" id="{A03856AD-C18B-C04F-96B8-C106DB95DB48}"/>
+              </a:ext>
+            </a:extLst>
+          </p:cNvPr>
+          <p:cNvSpPr>
+            <a:spLocks noGrp="1"/>
+          </p:cNvSpPr>
+          <p:nvPr>
+            <p:ph type="title"/>
+          </p:nvPr>
+        </p:nvSpPr>
+        <p:spPr/>
+        <p:txBody>
+          <a:bodyPr/>
+          <a:lstStyle/>
+          <a:p>
+            <a:r>
+              <a:rPr lang="en-US" dirty="0"/>
+              <a:t>References</a:t>
+            </a:r>
+          </a:p>
+        </p:txBody>
+      </p:sp>
+      <p:sp>
+        <p:nvSpPr>
+          <p:cNvPr id="9" name="Content Placeholder 8">
+            <a:extLst>
+              <a:ext uri="{FF2B5EF4-FFF2-40B4-BE49-F238E27FC236}">
+                <a16:creationId xmlns:a16="http://schemas.microsoft.com/office/drawing/2014/main" id="{7C0B7AC9-D12A-7E4D-AA80-FB66AFB88AAC}"/>
+              </a:ext>
+            </a:extLst>
+          </p:cNvPr>
+          <p:cNvSpPr>
+            <a:spLocks noGrp="1"/>
+          </p:cNvSpPr>
+          <p:nvPr>
+            <p:ph idx="1"/>
+          </p:nvPr>
+        </p:nvSpPr>
+        <p:spPr/>
+        <p:txBody>
+          <a:bodyPr/>
+          <a:lstStyle/>
+          <a:p>
+            <a:endParaRPr lang="en-US" dirty="0"/>
+          </a:p>
+        </p:txBody>
+      </p:sp>
+      <p:sp>
+        <p:nvSpPr>
+          <p:cNvPr id="7" name="Slide Number Placeholder 6">
+            <a:extLst>
+              <a:ext uri="{FF2B5EF4-FFF2-40B4-BE49-F238E27FC236}">
+                <a16:creationId xmlns:a16="http://schemas.microsoft.com/office/drawing/2014/main" id="{9B3732A4-C91A-9843-BED7-57860813098B}"/>
+              </a:ext>
+            </a:extLst>
+          </p:cNvPr>
+          <p:cNvSpPr>
+            <a:spLocks noGrp="1"/>
+          </p:cNvSpPr>
+          <p:nvPr>
+            <p:ph type="sldNum" sz="quarter" idx="12"/>
+          </p:nvPr>
+        </p:nvSpPr>
+        <p:spPr/>
+        <p:txBody>
+          <a:bodyPr/>
+          <a:lstStyle/>
+          <a:p>
+            <a:fld id="{FC0CC166-4E39-43B8-AB91-BDD1C4C9E224}" type="slidenum">
+              <a:rPr lang="de-DE" smtClean="0"/>
+              <a:t>14</a:t>
+            </a:fld>
+            <a:endParaRPr lang="de-DE"/>
+          </a:p>
+        </p:txBody>
+      </p:sp>
+    </p:spTree>
+    <p:extLst>
+      <p:ext uri="{BB962C8B-B14F-4D97-AF65-F5344CB8AC3E}">
+        <p14:creationId xmlns:p14="http://schemas.microsoft.com/office/powerpoint/2010/main" val="3246365185"/>
       </p:ext>
     </p:extLst>
   </p:cSld>
@@ -7152,11 +8181,25 @@
             <p:ph sz="half" idx="2"/>
           </p:nvPr>
         </p:nvSpPr>
-        <p:spPr/>
+        <p:spPr>
+          <a:xfrm>
+            <a:off x="1378799" y="2548067"/>
+            <a:ext cx="5582883" cy="3312000"/>
+          </a:xfrm>
+        </p:spPr>
         <p:txBody>
           <a:bodyPr/>
           <a:lstStyle/>
           <a:p>
+            <a:pPr marL="0" indent="0">
+              <a:buNone/>
+            </a:pPr>
+            <a:r>
+              <a:rPr lang="en-US" dirty="0"/>
+              <a:t>The focus of the first generation is to provide a cheap solution to reduce the entry barrier:</a:t>
+            </a:r>
+          </a:p>
+          <a:p>
             <a:r>
               <a:rPr lang="en-US" dirty="0"/>
               <a:t>Using Arduino hardware and software as foundation</a:t>
@@ -7169,10 +8212,68 @@
             </a:r>
           </a:p>
           <a:p>
-            <a:r>
-              <a:rPr lang="en-US" dirty="0"/>
-              <a:t>Focus for the first generation is to be cheap</a:t>
-            </a:r>
+            <a:pPr lvl="1"/>
+            <a:r>
+              <a:rPr lang="en-US" sz="1200" dirty="0"/>
+              <a:t>Ozone: </a:t>
+            </a:r>
+            <a:r>
+              <a:rPr lang="en-US" sz="1200" i="1" dirty="0" err="1"/>
+              <a:t>SainSmart</a:t>
+            </a:r>
+            <a:r>
+              <a:rPr lang="en-US" sz="1200" i="1" dirty="0"/>
+              <a:t> MQ131</a:t>
+            </a:r>
+            <a:endParaRPr lang="en-US" sz="1200" dirty="0"/>
+          </a:p>
+          <a:p>
+            <a:pPr lvl="1"/>
+            <a:r>
+              <a:rPr lang="en-US" sz="1200" dirty="0"/>
+              <a:t>Particulate matter: </a:t>
+            </a:r>
+            <a:r>
+              <a:rPr lang="en-US" sz="1200" i="1" dirty="0"/>
+              <a:t>Grove Dust Sensor</a:t>
+            </a:r>
+            <a:endParaRPr lang="en-US" sz="1200" dirty="0"/>
+          </a:p>
+          <a:p>
+            <a:pPr lvl="1"/>
+            <a:r>
+              <a:rPr lang="en-US" sz="1200" dirty="0"/>
+              <a:t>Sulfur dioxide: </a:t>
+            </a:r>
+            <a:r>
+              <a:rPr lang="en-US" sz="1200" i="1" dirty="0"/>
+              <a:t>Mq2 Gas Sensor</a:t>
+            </a:r>
+            <a:endParaRPr lang="en-US" sz="1200" dirty="0"/>
+          </a:p>
+          <a:p>
+            <a:pPr lvl="1"/>
+            <a:r>
+              <a:rPr lang="en-US" sz="1200" dirty="0"/>
+              <a:t>Carbon monoxide: </a:t>
+            </a:r>
+            <a:r>
+              <a:rPr lang="en-US" sz="1200" i="1" dirty="0"/>
+              <a:t>Mq9 Gas Sensor</a:t>
+            </a:r>
+            <a:endParaRPr lang="en-US" sz="1200" dirty="0"/>
+          </a:p>
+          <a:p>
+            <a:pPr lvl="1"/>
+            <a:r>
+              <a:rPr lang="en-US" sz="1200" dirty="0"/>
+              <a:t>Nitrous oxide: </a:t>
+            </a:r>
+            <a:r>
+              <a:rPr lang="en-US" sz="1200" i="1" dirty="0"/>
+              <a:t>MICS-2714</a:t>
+            </a:r>
+            <a:endParaRPr lang="en-US" sz="1200" dirty="0"/>
           </a:p>
           <a:p>
             <a:r>
@@ -7181,6 +8282,9 @@
             </a:r>
           </a:p>
           <a:p>
+            <a:pPr marL="0" indent="0">
+              <a:buNone/>
+            </a:pPr>
             <a:endParaRPr lang="en-US" dirty="0"/>
           </a:p>
         </p:txBody>
@@ -7353,10 +8457,10 @@
       </p:sp>
       <p:sp>
         <p:nvSpPr>
-          <p:cNvPr id="5" name="Text Placeholder 4">
+          <p:cNvPr id="10" name="Content Placeholder 9">
             <a:extLst>
               <a:ext uri="{FF2B5EF4-FFF2-40B4-BE49-F238E27FC236}">
-                <a16:creationId xmlns:a16="http://schemas.microsoft.com/office/drawing/2014/main" id="{174BA22C-FE05-B84E-A019-31BF3154DF7D}"/>
+                <a16:creationId xmlns:a16="http://schemas.microsoft.com/office/drawing/2014/main" id="{CDE046B9-74DA-4148-9C57-63893C81E655}"/>
               </a:ext>
             </a:extLst>
           </p:cNvPr>
@@ -7364,472 +8468,130 @@
             <a:spLocks noGrp="1"/>
           </p:cNvSpPr>
           <p:nvPr>
-            <p:ph type="body" idx="1"/>
+            <p:ph idx="1"/>
           </p:nvPr>
         </p:nvSpPr>
         <p:spPr>
           <a:xfrm>
-            <a:off x="1378800" y="2178001"/>
-            <a:ext cx="2990595" cy="213125"/>
+            <a:off x="1378800" y="1701602"/>
+            <a:ext cx="9432000" cy="4680520"/>
           </a:xfrm>
         </p:spPr>
         <p:txBody>
           <a:bodyPr/>
           <a:lstStyle/>
           <a:p>
-            <a:r>
-              <a:rPr lang="en-US" dirty="0"/>
-              <a:t>Main functionalities</a:t>
-            </a:r>
-          </a:p>
-        </p:txBody>
-      </p:sp>
-      <p:sp>
-        <p:nvSpPr>
-          <p:cNvPr id="6" name="Content Placeholder 5">
-            <a:extLst>
-              <a:ext uri="{FF2B5EF4-FFF2-40B4-BE49-F238E27FC236}">
-                <a16:creationId xmlns:a16="http://schemas.microsoft.com/office/drawing/2014/main" id="{0A6B8AA0-86E1-FF43-860A-963D573826F2}"/>
-              </a:ext>
-            </a:extLst>
-          </p:cNvPr>
-          <p:cNvSpPr>
-            <a:spLocks noGrp="1"/>
-          </p:cNvSpPr>
-          <p:nvPr>
-            <p:ph sz="half" idx="2"/>
-          </p:nvPr>
-        </p:nvSpPr>
-        <p:spPr>
-          <a:xfrm>
-            <a:off x="1378800" y="2548067"/>
-            <a:ext cx="2990595" cy="1961847"/>
-          </a:xfrm>
-        </p:spPr>
-        <p:txBody>
-          <a:bodyPr/>
-          <a:lstStyle/>
+            <a:pPr marL="0" indent="0">
+              <a:buNone/>
+            </a:pPr>
+            <a:r>
+              <a:rPr lang="en-US" sz="1800" b="1" dirty="0"/>
+              <a:t>Backend Characteristics:</a:t>
+            </a:r>
+          </a:p>
           <a:p>
             <a:r>
               <a:rPr lang="en-US" sz="1800" dirty="0"/>
-              <a:t>Receive measurements in JSOM format</a:t>
+              <a:t>Accessible through API</a:t>
+            </a:r>
+          </a:p>
+          <a:p>
+            <a:pPr marL="0" indent="0">
+              <a:buNone/>
+            </a:pPr>
+            <a:endParaRPr lang="en-US" sz="1800" dirty="0"/>
+          </a:p>
+          <a:p>
+            <a:pPr marL="0" indent="0">
+              <a:buNone/>
+            </a:pPr>
+            <a:r>
+              <a:rPr lang="en-US" sz="1800" b="1" dirty="0"/>
+              <a:t>Main functionalities:</a:t>
             </a:r>
           </a:p>
           <a:p>
             <a:r>
               <a:rPr lang="en-US" sz="1800" dirty="0"/>
-              <a:t>Save these</a:t>
+              <a:t>Receive, process, store and handle incoming data: The data set will be a JSON object that contains:</a:t>
+            </a:r>
+          </a:p>
+          <a:p>
+            <a:pPr lvl="1"/>
+            <a:r>
+              <a:rPr lang="en-US" sz="1600" dirty="0"/>
+              <a:t>Measurement</a:t>
+            </a:r>
+          </a:p>
+          <a:p>
+            <a:pPr lvl="1"/>
+            <a:r>
+              <a:rPr lang="en-US" sz="1600" dirty="0"/>
+              <a:t>Timestamp</a:t>
+            </a:r>
+          </a:p>
+          <a:p>
+            <a:pPr lvl="1"/>
+            <a:r>
+              <a:rPr lang="en-US" sz="1600" dirty="0"/>
+              <a:t>Location</a:t>
+            </a:r>
+            <a:endParaRPr lang="en-US" sz="1800" dirty="0"/>
+          </a:p>
+          <a:p>
+            <a:pPr marL="0" indent="0">
+              <a:buNone/>
+            </a:pPr>
+            <a:r>
+              <a:rPr lang="en-US" sz="1800" b="1" dirty="0"/>
+              <a:t>Additional functionalities:</a:t>
             </a:r>
           </a:p>
           <a:p>
             <a:r>
               <a:rPr lang="en-US" sz="1800" dirty="0"/>
-              <a:t>Propagate crucial measurements</a:t>
-            </a:r>
-          </a:p>
-          <a:p>
-            <a:r>
-              <a:rPr lang="en-US" sz="1800" dirty="0"/>
-              <a:t>Authorization and authentication check</a:t>
-            </a:r>
+              <a:t>Provision of second API that provides the following features:</a:t>
+            </a:r>
+          </a:p>
+          <a:p>
+            <a:pPr lvl="1"/>
+            <a:r>
+              <a:rPr lang="en-US" sz="1600" dirty="0"/>
+              <a:t>Accept GET requests and return the currently set measurement interval </a:t>
+            </a:r>
+          </a:p>
+          <a:p>
+            <a:pPr lvl="1"/>
+            <a:r>
+              <a:rPr lang="en-US" sz="1600" dirty="0"/>
+              <a:t>Accept PUT and POST request to set a new measurement interval </a:t>
+            </a:r>
+          </a:p>
+          <a:p>
+            <a:pPr lvl="1"/>
+            <a:r>
+              <a:rPr lang="en-US" sz="1600" dirty="0"/>
+              <a:t>Error handling in case of a wrong request format </a:t>
+            </a:r>
+          </a:p>
+          <a:p>
+            <a:pPr lvl="1"/>
+            <a:r>
+              <a:rPr lang="en-US" sz="1600" dirty="0"/>
+              <a:t>Authorization and authentication checks for each request </a:t>
+            </a:r>
+          </a:p>
+          <a:p>
+            <a:endParaRPr lang="en-US" sz="1800" dirty="0"/>
+          </a:p>
+          <a:p>
+            <a:endParaRPr lang="en-US" sz="1800" dirty="0"/>
           </a:p>
           <a:p>
             <a:pPr marL="0" indent="0">
               <a:buNone/>
             </a:pPr>
-            <a:endParaRPr lang="en-US" dirty="0"/>
-          </a:p>
-        </p:txBody>
-      </p:sp>
-      <p:sp>
-        <p:nvSpPr>
-          <p:cNvPr id="4" name="Slide Number Placeholder 3">
-            <a:extLst>
-              <a:ext uri="{FF2B5EF4-FFF2-40B4-BE49-F238E27FC236}">
-                <a16:creationId xmlns:a16="http://schemas.microsoft.com/office/drawing/2014/main" id="{E374165F-8B62-C744-A25C-87EC0780B534}"/>
-              </a:ext>
-            </a:extLst>
-          </p:cNvPr>
-          <p:cNvSpPr>
-            <a:spLocks noGrp="1"/>
-          </p:cNvSpPr>
-          <p:nvPr>
-            <p:ph type="sldNum" sz="quarter" idx="12"/>
-          </p:nvPr>
-        </p:nvSpPr>
-        <p:spPr/>
-        <p:txBody>
-          <a:bodyPr/>
-          <a:lstStyle/>
-          <a:p>
-            <a:fld id="{FC0CC166-4E39-43B8-AB91-BDD1C4C9E224}" type="slidenum">
-              <a:rPr lang="en-US" smtClean="0"/>
-              <a:t>9</a:t>
-            </a:fld>
-            <a:endParaRPr lang="en-US"/>
-          </a:p>
-        </p:txBody>
-      </p:sp>
-      <p:sp>
-        <p:nvSpPr>
-          <p:cNvPr id="11" name="Text Placeholder 4">
-            <a:extLst>
-              <a:ext uri="{FF2B5EF4-FFF2-40B4-BE49-F238E27FC236}">
-                <a16:creationId xmlns:a16="http://schemas.microsoft.com/office/drawing/2014/main" id="{4B86A3AA-5B6B-6245-9CB9-CF59921D4730}"/>
-              </a:ext>
-            </a:extLst>
-          </p:cNvPr>
-          <p:cNvSpPr txBox="1">
-            <a:spLocks/>
-          </p:cNvSpPr>
-          <p:nvPr/>
-        </p:nvSpPr>
-        <p:spPr>
-          <a:xfrm>
-            <a:off x="6745659" y="2178001"/>
-            <a:ext cx="3384376" cy="213125"/>
-          </a:xfrm>
-          <a:prstGeom prst="rect">
-            <a:avLst/>
-          </a:prstGeom>
-        </p:spPr>
-        <p:txBody>
-          <a:bodyPr vert="horz" lIns="0" tIns="0" rIns="0" bIns="0" rtlCol="0" anchor="b">
-            <a:noAutofit/>
-          </a:bodyPr>
-          <a:lstStyle>
-            <a:lvl1pPr marL="0" indent="0" algn="l" defTabSz="914305" rtl="0" eaLnBrk="1" latinLnBrk="0" hangingPunct="1">
-              <a:spcBef>
-                <a:spcPct val="20000"/>
-              </a:spcBef>
-              <a:buFont typeface="Arial" panose="020B0604020202020204" pitchFamily="34" charset="0"/>
-              <a:buNone/>
-              <a:defRPr sz="2400" b="1" kern="1200">
-                <a:solidFill>
-                  <a:srgbClr val="003056"/>
-                </a:solidFill>
-                <a:latin typeface="+mn-lt"/>
-                <a:ea typeface="+mn-ea"/>
-                <a:cs typeface="+mn-cs"/>
-              </a:defRPr>
-            </a:lvl1pPr>
-            <a:lvl2pPr marL="457152" indent="0" algn="l" defTabSz="914305" rtl="0" eaLnBrk="1" latinLnBrk="0" hangingPunct="1">
-              <a:spcBef>
-                <a:spcPct val="20000"/>
-              </a:spcBef>
-              <a:buFont typeface="Arial" panose="020B0604020202020204" pitchFamily="34" charset="0"/>
-              <a:buNone/>
-              <a:defRPr sz="2000" b="1" kern="1200">
-                <a:solidFill>
-                  <a:srgbClr val="003056"/>
-                </a:solidFill>
-                <a:latin typeface="+mn-lt"/>
-                <a:ea typeface="+mn-ea"/>
-                <a:cs typeface="+mn-cs"/>
-              </a:defRPr>
-            </a:lvl2pPr>
-            <a:lvl3pPr marL="914305" indent="0" algn="l" defTabSz="914305" rtl="0" eaLnBrk="1" latinLnBrk="0" hangingPunct="1">
-              <a:spcBef>
-                <a:spcPct val="20000"/>
-              </a:spcBef>
-              <a:buFont typeface="Arial" panose="020B0604020202020204" pitchFamily="34" charset="0"/>
-              <a:buNone/>
-              <a:defRPr sz="1800" b="1" kern="1200">
-                <a:solidFill>
-                  <a:srgbClr val="003056"/>
-                </a:solidFill>
-                <a:latin typeface="+mn-lt"/>
-                <a:ea typeface="+mn-ea"/>
-                <a:cs typeface="+mn-cs"/>
-              </a:defRPr>
-            </a:lvl3pPr>
-            <a:lvl4pPr marL="1371457" indent="0" algn="l" defTabSz="914305" rtl="0" eaLnBrk="1" latinLnBrk="0" hangingPunct="1">
-              <a:spcBef>
-                <a:spcPct val="20000"/>
-              </a:spcBef>
-              <a:buFont typeface="Arial" panose="020B0604020202020204" pitchFamily="34" charset="0"/>
-              <a:buNone/>
-              <a:defRPr sz="1600" b="1" kern="1200">
-                <a:solidFill>
-                  <a:srgbClr val="003056"/>
-                </a:solidFill>
-                <a:latin typeface="+mn-lt"/>
-                <a:ea typeface="+mn-ea"/>
-                <a:cs typeface="+mn-cs"/>
-              </a:defRPr>
-            </a:lvl4pPr>
-            <a:lvl5pPr marL="1828610" indent="0" algn="l" defTabSz="914305" rtl="0" eaLnBrk="1" latinLnBrk="0" hangingPunct="1">
-              <a:spcBef>
-                <a:spcPct val="20000"/>
-              </a:spcBef>
-              <a:buFont typeface="Arial" panose="020B0604020202020204" pitchFamily="34" charset="0"/>
-              <a:buNone/>
-              <a:defRPr sz="1600" b="1" kern="1200">
-                <a:solidFill>
-                  <a:srgbClr val="003056"/>
-                </a:solidFill>
-                <a:latin typeface="+mn-lt"/>
-                <a:ea typeface="+mn-ea"/>
-                <a:cs typeface="+mn-cs"/>
-              </a:defRPr>
-            </a:lvl5pPr>
-            <a:lvl6pPr marL="2285761" indent="0" algn="l" defTabSz="914305" rtl="0" eaLnBrk="1" latinLnBrk="0" hangingPunct="1">
-              <a:spcBef>
-                <a:spcPct val="20000"/>
-              </a:spcBef>
-              <a:buFont typeface="Arial" panose="020B0604020202020204" pitchFamily="34" charset="0"/>
-              <a:buNone/>
-              <a:defRPr sz="1600" b="1" kern="1200">
-                <a:solidFill>
-                  <a:schemeClr val="tx1"/>
-                </a:solidFill>
-                <a:latin typeface="+mn-lt"/>
-                <a:ea typeface="+mn-ea"/>
-                <a:cs typeface="+mn-cs"/>
-              </a:defRPr>
-            </a:lvl6pPr>
-            <a:lvl7pPr marL="2742914" indent="0" algn="l" defTabSz="914305" rtl="0" eaLnBrk="1" latinLnBrk="0" hangingPunct="1">
-              <a:spcBef>
-                <a:spcPct val="20000"/>
-              </a:spcBef>
-              <a:buFont typeface="Arial" panose="020B0604020202020204" pitchFamily="34" charset="0"/>
-              <a:buNone/>
-              <a:defRPr sz="1600" b="1" kern="1200">
-                <a:solidFill>
-                  <a:schemeClr val="tx1"/>
-                </a:solidFill>
-                <a:latin typeface="+mn-lt"/>
-                <a:ea typeface="+mn-ea"/>
-                <a:cs typeface="+mn-cs"/>
-              </a:defRPr>
-            </a:lvl7pPr>
-            <a:lvl8pPr marL="3200066" indent="0" algn="l" defTabSz="914305" rtl="0" eaLnBrk="1" latinLnBrk="0" hangingPunct="1">
-              <a:spcBef>
-                <a:spcPct val="20000"/>
-              </a:spcBef>
-              <a:buFont typeface="Arial" panose="020B0604020202020204" pitchFamily="34" charset="0"/>
-              <a:buNone/>
-              <a:defRPr sz="1600" b="1" kern="1200">
-                <a:solidFill>
-                  <a:schemeClr val="tx1"/>
-                </a:solidFill>
-                <a:latin typeface="+mn-lt"/>
-                <a:ea typeface="+mn-ea"/>
-                <a:cs typeface="+mn-cs"/>
-              </a:defRPr>
-            </a:lvl8pPr>
-            <a:lvl9pPr marL="3657219" indent="0" algn="l" defTabSz="914305" rtl="0" eaLnBrk="1" latinLnBrk="0" hangingPunct="1">
-              <a:spcBef>
-                <a:spcPct val="20000"/>
-              </a:spcBef>
-              <a:buFont typeface="Arial" panose="020B0604020202020204" pitchFamily="34" charset="0"/>
-              <a:buNone/>
-              <a:defRPr sz="1600" b="1" kern="1200">
-                <a:solidFill>
-                  <a:schemeClr val="tx1"/>
-                </a:solidFill>
-                <a:latin typeface="+mn-lt"/>
-                <a:ea typeface="+mn-ea"/>
-                <a:cs typeface="+mn-cs"/>
-              </a:defRPr>
-            </a:lvl9pPr>
-          </a:lstStyle>
-          <a:p>
-            <a:r>
-              <a:rPr lang="en-US" dirty="0"/>
-              <a:t>Additional functionalities</a:t>
-            </a:r>
-          </a:p>
-        </p:txBody>
-      </p:sp>
-      <p:sp>
-        <p:nvSpPr>
-          <p:cNvPr id="12" name="Content Placeholder 5">
-            <a:extLst>
-              <a:ext uri="{FF2B5EF4-FFF2-40B4-BE49-F238E27FC236}">
-                <a16:creationId xmlns:a16="http://schemas.microsoft.com/office/drawing/2014/main" id="{3126EFFA-ADB8-CC42-BE0A-9595BB3952DA}"/>
-              </a:ext>
-            </a:extLst>
-          </p:cNvPr>
-          <p:cNvSpPr txBox="1">
-            <a:spLocks/>
-          </p:cNvSpPr>
-          <p:nvPr/>
-        </p:nvSpPr>
-        <p:spPr>
-          <a:xfrm>
-            <a:off x="6745659" y="2548067"/>
-            <a:ext cx="2990595" cy="1961847"/>
-          </a:xfrm>
-          <a:prstGeom prst="rect">
-            <a:avLst/>
-          </a:prstGeom>
-        </p:spPr>
-        <p:txBody>
-          <a:bodyPr vert="horz" lIns="0" tIns="0" rIns="0" bIns="0" rtlCol="0" anchor="t">
-            <a:noAutofit/>
-          </a:bodyPr>
-          <a:lstStyle>
-            <a:lvl1pPr marL="342864" indent="-342864" algn="l" defTabSz="914305" rtl="0" eaLnBrk="1" latinLnBrk="0" hangingPunct="1">
-              <a:spcBef>
-                <a:spcPct val="20000"/>
-              </a:spcBef>
-              <a:buFont typeface="Arial" panose="020B0604020202020204" pitchFamily="34" charset="0"/>
-              <a:buChar char="•"/>
-              <a:defRPr sz="2400" kern="1200">
-                <a:solidFill>
-                  <a:srgbClr val="003056"/>
-                </a:solidFill>
-                <a:latin typeface="+mn-lt"/>
-                <a:ea typeface="+mn-ea"/>
-                <a:cs typeface="+mn-cs"/>
-              </a:defRPr>
-            </a:lvl1pPr>
-            <a:lvl2pPr marL="742873" indent="-285720" algn="l" defTabSz="914305" rtl="0" eaLnBrk="1" latinLnBrk="0" hangingPunct="1">
-              <a:spcBef>
-                <a:spcPct val="20000"/>
-              </a:spcBef>
-              <a:buFont typeface="Arial" panose="020B0604020202020204" pitchFamily="34" charset="0"/>
-              <a:buChar char="–"/>
-              <a:defRPr sz="2000" kern="1200">
-                <a:solidFill>
-                  <a:srgbClr val="003056"/>
-                </a:solidFill>
-                <a:latin typeface="+mn-lt"/>
-                <a:ea typeface="+mn-ea"/>
-                <a:cs typeface="+mn-cs"/>
-              </a:defRPr>
-            </a:lvl2pPr>
-            <a:lvl3pPr marL="1142881" indent="-228576" algn="l" defTabSz="914305" rtl="0" eaLnBrk="1" latinLnBrk="0" hangingPunct="1">
-              <a:spcBef>
-                <a:spcPct val="20000"/>
-              </a:spcBef>
-              <a:buFont typeface="Arial" panose="020B0604020202020204" pitchFamily="34" charset="0"/>
-              <a:buChar char="•"/>
-              <a:defRPr sz="1800" kern="1200">
-                <a:solidFill>
-                  <a:srgbClr val="003056"/>
-                </a:solidFill>
-                <a:latin typeface="+mn-lt"/>
-                <a:ea typeface="+mn-ea"/>
-                <a:cs typeface="+mn-cs"/>
-              </a:defRPr>
-            </a:lvl3pPr>
-            <a:lvl4pPr marL="1600034" indent="-228576" algn="l" defTabSz="914305" rtl="0" eaLnBrk="1" latinLnBrk="0" hangingPunct="1">
-              <a:spcBef>
-                <a:spcPct val="20000"/>
-              </a:spcBef>
-              <a:buFont typeface="Arial" panose="020B0604020202020204" pitchFamily="34" charset="0"/>
-              <a:buChar char="–"/>
-              <a:defRPr sz="1600" kern="1200">
-                <a:solidFill>
-                  <a:srgbClr val="003056"/>
-                </a:solidFill>
-                <a:latin typeface="+mn-lt"/>
-                <a:ea typeface="+mn-ea"/>
-                <a:cs typeface="+mn-cs"/>
-              </a:defRPr>
-            </a:lvl4pPr>
-            <a:lvl5pPr marL="2057185" indent="-228576" algn="l" defTabSz="914305" rtl="0" eaLnBrk="1" latinLnBrk="0" hangingPunct="1">
-              <a:spcBef>
-                <a:spcPct val="20000"/>
-              </a:spcBef>
-              <a:buFont typeface="Arial" panose="020B0604020202020204" pitchFamily="34" charset="0"/>
-              <a:buChar char="»"/>
-              <a:defRPr sz="1600" kern="1200">
-                <a:solidFill>
-                  <a:srgbClr val="003056"/>
-                </a:solidFill>
-                <a:latin typeface="+mn-lt"/>
-                <a:ea typeface="+mn-ea"/>
-                <a:cs typeface="+mn-cs"/>
-              </a:defRPr>
-            </a:lvl5pPr>
-            <a:lvl6pPr marL="2514338" indent="-228576" algn="l" defTabSz="914305" rtl="0" eaLnBrk="1" latinLnBrk="0" hangingPunct="1">
-              <a:spcBef>
-                <a:spcPct val="20000"/>
-              </a:spcBef>
-              <a:buFont typeface="Arial" panose="020B0604020202020204" pitchFamily="34" charset="0"/>
-              <a:buChar char="•"/>
-              <a:defRPr sz="1600" kern="1200">
-                <a:solidFill>
-                  <a:schemeClr val="tx1"/>
-                </a:solidFill>
-                <a:latin typeface="+mn-lt"/>
-                <a:ea typeface="+mn-ea"/>
-                <a:cs typeface="+mn-cs"/>
-              </a:defRPr>
-            </a:lvl6pPr>
-            <a:lvl7pPr marL="2971490" indent="-228576" algn="l" defTabSz="914305" rtl="0" eaLnBrk="1" latinLnBrk="0" hangingPunct="1">
-              <a:spcBef>
-                <a:spcPct val="20000"/>
-              </a:spcBef>
-              <a:buFont typeface="Arial" panose="020B0604020202020204" pitchFamily="34" charset="0"/>
-              <a:buChar char="•"/>
-              <a:defRPr sz="1600" kern="1200">
-                <a:solidFill>
-                  <a:schemeClr val="tx1"/>
-                </a:solidFill>
-                <a:latin typeface="+mn-lt"/>
-                <a:ea typeface="+mn-ea"/>
-                <a:cs typeface="+mn-cs"/>
-              </a:defRPr>
-            </a:lvl7pPr>
-            <a:lvl8pPr marL="3428643" indent="-228576" algn="l" defTabSz="914305" rtl="0" eaLnBrk="1" latinLnBrk="0" hangingPunct="1">
-              <a:spcBef>
-                <a:spcPct val="20000"/>
-              </a:spcBef>
-              <a:buFont typeface="Arial" panose="020B0604020202020204" pitchFamily="34" charset="0"/>
-              <a:buChar char="•"/>
-              <a:defRPr sz="1600" kern="1200">
-                <a:solidFill>
-                  <a:schemeClr val="tx1"/>
-                </a:solidFill>
-                <a:latin typeface="+mn-lt"/>
-                <a:ea typeface="+mn-ea"/>
-                <a:cs typeface="+mn-cs"/>
-              </a:defRPr>
-            </a:lvl8pPr>
-            <a:lvl9pPr marL="3885795" indent="-228576" algn="l" defTabSz="914305" rtl="0" eaLnBrk="1" latinLnBrk="0" hangingPunct="1">
-              <a:spcBef>
-                <a:spcPct val="20000"/>
-              </a:spcBef>
-              <a:buFont typeface="Arial" panose="020B0604020202020204" pitchFamily="34" charset="0"/>
-              <a:buChar char="•"/>
-              <a:defRPr sz="1600" kern="1200">
-                <a:solidFill>
-                  <a:schemeClr val="tx1"/>
-                </a:solidFill>
-                <a:latin typeface="+mn-lt"/>
-                <a:ea typeface="+mn-ea"/>
-                <a:cs typeface="+mn-cs"/>
-              </a:defRPr>
-            </a:lvl9pPr>
-          </a:lstStyle>
-          <a:p>
-            <a:r>
-              <a:rPr lang="en-US" sz="1800" dirty="0"/>
-              <a:t>GET request, to return current measurements</a:t>
-            </a:r>
-          </a:p>
-          <a:p>
-            <a:r>
-              <a:rPr lang="en-US" sz="1800" dirty="0"/>
-              <a:t>PUT and POST for setting a different measurements interval</a:t>
-            </a:r>
-          </a:p>
-          <a:p>
-            <a:r>
-              <a:rPr lang="en-US" sz="1800" dirty="0"/>
-              <a:t>Error handling</a:t>
-            </a:r>
-          </a:p>
-          <a:p>
-            <a:pPr marL="0" indent="0">
-              <a:buFont typeface="Arial" panose="020B0604020202020204" pitchFamily="34" charset="0"/>
-              <a:buNone/>
-            </a:pPr>
-            <a:endParaRPr lang="en-US" dirty="0"/>
+            <a:endParaRPr lang="en-US" sz="1800" dirty="0"/>
           </a:p>
         </p:txBody>
       </p:sp>

--- a/presentation/PervasiveAirQauality.pptx
+++ b/presentation/PervasiveAirQauality.pptx
@@ -243,7 +243,7 @@
           <a:p>
             <a:fld id="{E965E5F9-7C68-440D-8F93-DD9A6ECD879E}" type="datetimeFigureOut">
               <a:rPr lang="de-DE" smtClean="0"/>
-              <a:t>04.05.19</a:t>
+              <a:t>08.05.2019</a:t>
             </a:fld>
             <a:endParaRPr lang="de-DE"/>
           </a:p>
@@ -401,7 +401,7 @@
           <a:p>
             <a:fld id="{DE23BDED-7A90-4264-A83B-2E080B95BFE9}" type="slidenum">
               <a:rPr lang="de-DE" smtClean="0"/>
-              <a:t>‹#›</a:t>
+              <a:t>‹Nr.›</a:t>
             </a:fld>
             <a:endParaRPr lang="de-DE"/>
           </a:p>
@@ -1188,6 +1188,90 @@
       </p:grpSpPr>
       <p:sp>
         <p:nvSpPr>
+          <p:cNvPr id="2" name="Folienbildplatzhalter 1"/>
+          <p:cNvSpPr>
+            <a:spLocks noGrp="1" noRot="1" noChangeAspect="1"/>
+          </p:cNvSpPr>
+          <p:nvPr>
+            <p:ph type="sldImg"/>
+          </p:nvPr>
+        </p:nvSpPr>
+        <p:spPr/>
+      </p:sp>
+      <p:sp>
+        <p:nvSpPr>
+          <p:cNvPr id="3" name="Notizenplatzhalter 2"/>
+          <p:cNvSpPr>
+            <a:spLocks noGrp="1"/>
+          </p:cNvSpPr>
+          <p:nvPr>
+            <p:ph type="body" idx="1"/>
+          </p:nvPr>
+        </p:nvSpPr>
+        <p:spPr/>
+        <p:txBody>
+          <a:bodyPr/>
+          <a:lstStyle/>
+          <a:p>
+            <a:endParaRPr lang="en-US" dirty="0"/>
+          </a:p>
+        </p:txBody>
+      </p:sp>
+      <p:sp>
+        <p:nvSpPr>
+          <p:cNvPr id="4" name="Foliennummernplatzhalter 3"/>
+          <p:cNvSpPr>
+            <a:spLocks noGrp="1"/>
+          </p:cNvSpPr>
+          <p:nvPr>
+            <p:ph type="sldNum" sz="quarter" idx="5"/>
+          </p:nvPr>
+        </p:nvSpPr>
+        <p:spPr/>
+        <p:txBody>
+          <a:bodyPr/>
+          <a:lstStyle/>
+          <a:p>
+            <a:fld id="{DE23BDED-7A90-4264-A83B-2E080B95BFE9}" type="slidenum">
+              <a:rPr lang="de-DE" smtClean="0"/>
+              <a:t>6</a:t>
+            </a:fld>
+            <a:endParaRPr lang="de-DE"/>
+          </a:p>
+        </p:txBody>
+      </p:sp>
+    </p:spTree>
+    <p:extLst>
+      <p:ext uri="{BB962C8B-B14F-4D97-AF65-F5344CB8AC3E}">
+        <p14:creationId xmlns:p14="http://schemas.microsoft.com/office/powerpoint/2010/main" val="4149527702"/>
+      </p:ext>
+    </p:extLst>
+  </p:cSld>
+  <p:clrMapOvr>
+    <a:masterClrMapping/>
+  </p:clrMapOvr>
+</p:notes>
+</file>
+
+<file path=ppt/notesSlides/notesSlide6.xml><?xml version="1.0" encoding="utf-8"?>
+<p:notes xmlns:a="http://schemas.openxmlformats.org/drawingml/2006/main" xmlns:r="http://schemas.openxmlformats.org/officeDocument/2006/relationships" xmlns:p="http://schemas.openxmlformats.org/presentationml/2006/main">
+  <p:cSld>
+    <p:spTree>
+      <p:nvGrpSpPr>
+        <p:cNvPr id="1" name=""/>
+        <p:cNvGrpSpPr/>
+        <p:nvPr/>
+      </p:nvGrpSpPr>
+      <p:grpSpPr>
+        <a:xfrm>
+          <a:off x="0" y="0"/>
+          <a:ext cx="0" cy="0"/>
+          <a:chOff x="0" y="0"/>
+          <a:chExt cx="0" cy="0"/>
+        </a:xfrm>
+      </p:grpSpPr>
+      <p:sp>
+        <p:nvSpPr>
           <p:cNvPr id="2" name="Slide Image Placeholder 1"/>
           <p:cNvSpPr>
             <a:spLocks noGrp="1" noRot="1" noChangeAspect="1"/>
@@ -1253,7 +1337,7 @@
 </p:notes>
 </file>
 
-<file path=ppt/notesSlides/notesSlide6.xml><?xml version="1.0" encoding="utf-8"?>
+<file path=ppt/notesSlides/notesSlide7.xml><?xml version="1.0" encoding="utf-8"?>
 <p:notes xmlns:a="http://schemas.openxmlformats.org/drawingml/2006/main" xmlns:r="http://schemas.openxmlformats.org/officeDocument/2006/relationships" xmlns:p="http://schemas.openxmlformats.org/presentationml/2006/main">
   <p:cSld>
     <p:spTree>
@@ -1559,7 +1643,7 @@
           <a:p>
             <a:fld id="{FC0CC166-4E39-43B8-AB91-BDD1C4C9E224}" type="slidenum">
               <a:rPr lang="de-DE" smtClean="0"/>
-              <a:t>‹#›</a:t>
+              <a:t>‹Nr.›</a:t>
             </a:fld>
             <a:endParaRPr lang="de-DE"/>
           </a:p>
@@ -1724,7 +1808,7 @@
           <a:p>
             <a:fld id="{FC0CC166-4E39-43B8-AB91-BDD1C4C9E224}" type="slidenum">
               <a:rPr lang="de-DE" smtClean="0"/>
-              <a:t>‹#›</a:t>
+              <a:t>‹Nr.›</a:t>
             </a:fld>
             <a:endParaRPr lang="de-DE" dirty="0"/>
           </a:p>
@@ -1920,7 +2004,7 @@
           <a:p>
             <a:fld id="{FC0CC166-4E39-43B8-AB91-BDD1C4C9E224}" type="slidenum">
               <a:rPr lang="de-DE" smtClean="0"/>
-              <a:t>‹#›</a:t>
+              <a:t>‹Nr.›</a:t>
             </a:fld>
             <a:endParaRPr lang="de-DE" dirty="0"/>
           </a:p>
@@ -2188,7 +2272,7 @@
           <a:p>
             <a:fld id="{FC0CC166-4E39-43B8-AB91-BDD1C4C9E224}" type="slidenum">
               <a:rPr lang="de-DE" smtClean="0"/>
-              <a:t>‹#›</a:t>
+              <a:t>‹Nr.›</a:t>
             </a:fld>
             <a:endParaRPr lang="de-DE"/>
           </a:p>
@@ -2565,7 +2649,7 @@
           <a:p>
             <a:fld id="{FC0CC166-4E39-43B8-AB91-BDD1C4C9E224}" type="slidenum">
               <a:rPr lang="de-DE" smtClean="0"/>
-              <a:t>‹#›</a:t>
+              <a:t>‹Nr.›</a:t>
             </a:fld>
             <a:endParaRPr lang="de-DE"/>
           </a:p>
@@ -2724,7 +2808,7 @@
           <a:p>
             <a:fld id="{FC0CC166-4E39-43B8-AB91-BDD1C4C9E224}" type="slidenum">
               <a:rPr lang="de-DE" smtClean="0"/>
-              <a:t>‹#›</a:t>
+              <a:t>‹Nr.›</a:t>
             </a:fld>
             <a:endParaRPr lang="de-DE"/>
           </a:p>
@@ -2947,7 +3031,7 @@
           <a:p>
             <a:fld id="{FC0CC166-4E39-43B8-AB91-BDD1C4C9E224}" type="slidenum">
               <a:rPr lang="de-DE" smtClean="0"/>
-              <a:t>‹#›</a:t>
+              <a:t>‹Nr.›</a:t>
             </a:fld>
             <a:endParaRPr lang="de-DE"/>
           </a:p>
@@ -3262,7 +3346,7 @@
             <a:fld id="{FC0CC166-4E39-43B8-AB91-BDD1C4C9E224}" type="slidenum">
               <a:rPr lang="de-DE" smtClean="0"/>
               <a:pPr/>
-              <a:t>‹#›</a:t>
+              <a:t>‹Nr.›</a:t>
             </a:fld>
             <a:endParaRPr lang="de-DE" dirty="0"/>
           </a:p>
@@ -3799,7 +3883,7 @@
       </p:sp>
       <p:pic>
         <p:nvPicPr>
-          <p:cNvPr id="7" name="Content Placeholder 6" descr="A picture containing screenshot, text&#13;&#10;&#13;&#10;Description automatically generated">
+          <p:cNvPr id="7" name="Content Placeholder 6" descr="A picture containing screenshot, text&#10;&#10;Description automatically generated">
             <a:extLst>
               <a:ext uri="{FF2B5EF4-FFF2-40B4-BE49-F238E27FC236}">
                 <a16:creationId xmlns:a16="http://schemas.microsoft.com/office/drawing/2014/main" id="{9846CA86-05CA-B545-A674-7553E156B605}"/>
@@ -3814,7 +3898,7 @@
           </p:nvPr>
         </p:nvPicPr>
         <p:blipFill>
-          <a:blip r:embed="rId2">
+          <a:blip r:embed="rId2" cstate="print">
             <a:extLst>
               <a:ext uri="{28A0092B-C50C-407E-A947-70E740481C1C}">
                 <a14:useLocalDpi xmlns:a14="http://schemas.microsoft.com/office/drawing/2010/main" val="0"/>
@@ -4020,7 +4104,7 @@
       </p:sp>
       <p:pic>
         <p:nvPicPr>
-          <p:cNvPr id="9" name="Content Placeholder 8" descr="A close up of a map&#13;&#10;&#13;&#10;Description automatically generated">
+          <p:cNvPr id="9" name="Content Placeholder 8" descr="A close up of a map&#10;&#10;Description automatically generated">
             <a:extLst>
               <a:ext uri="{FF2B5EF4-FFF2-40B4-BE49-F238E27FC236}">
                 <a16:creationId xmlns:a16="http://schemas.microsoft.com/office/drawing/2014/main" id="{EEA21542-0062-144D-AFA2-C4299CB7BC5C}"/>
@@ -4035,7 +4119,7 @@
           </p:nvPr>
         </p:nvPicPr>
         <p:blipFill>
-          <a:blip r:embed="rId2">
+          <a:blip r:embed="rId2" cstate="print">
             <a:extLst>
               <a:ext uri="{28A0092B-C50C-407E-A947-70E740481C1C}">
                 <a14:useLocalDpi xmlns:a14="http://schemas.microsoft.com/office/drawing/2010/main" val="0"/>
@@ -4549,7 +4633,7 @@
           <p:nvPr/>
         </p:nvPicPr>
         <p:blipFill>
-          <a:blip r:embed="rId3">
+          <a:blip r:embed="rId3" cstate="print">
             <a:extLst>
               <a:ext uri="{28A0092B-C50C-407E-A947-70E740481C1C}">
                 <a14:useLocalDpi xmlns:a14="http://schemas.microsoft.com/office/drawing/2010/main" val="0"/>
@@ -4588,7 +4672,7 @@
           <p:nvPr/>
         </p:nvPicPr>
         <p:blipFill>
-          <a:blip r:embed="rId3">
+          <a:blip r:embed="rId3" cstate="print">
             <a:extLst>
               <a:ext uri="{28A0092B-C50C-407E-A947-70E740481C1C}">
                 <a14:useLocalDpi xmlns:a14="http://schemas.microsoft.com/office/drawing/2010/main" val="0"/>
@@ -4627,7 +4711,7 @@
           <p:nvPr/>
         </p:nvPicPr>
         <p:blipFill>
-          <a:blip r:embed="rId3">
+          <a:blip r:embed="rId3" cstate="print">
             <a:extLst>
               <a:ext uri="{28A0092B-C50C-407E-A947-70E740481C1C}">
                 <a14:useLocalDpi xmlns:a14="http://schemas.microsoft.com/office/drawing/2010/main" val="0"/>
@@ -6555,7 +6639,7 @@
           </p:nvPr>
         </p:nvPicPr>
         <p:blipFill>
-          <a:blip r:embed="rId3">
+          <a:blip r:embed="rId3" cstate="print">
             <a:extLst>
               <a:ext uri="{28A0092B-C50C-407E-A947-70E740481C1C}">
                 <a14:useLocalDpi xmlns:a14="http://schemas.microsoft.com/office/drawing/2010/main" val="0"/>
@@ -6664,7 +6748,7 @@
           <a:lstStyle/>
           <a:p>
             <a:r>
-              <a:rPr lang="en-US"/>
+              <a:rPr lang="en-US" dirty="0"/>
               <a:t>Use Cases</a:t>
             </a:r>
           </a:p>
@@ -6688,7 +6772,7 @@
         </p:nvSpPr>
         <p:spPr>
           <a:xfrm>
-            <a:off x="1378800" y="2178001"/>
+            <a:off x="1378800" y="1961977"/>
             <a:ext cx="2990595" cy="213125"/>
           </a:xfrm>
         </p:spPr>
@@ -6697,7 +6781,7 @@
           <a:lstStyle/>
           <a:p>
             <a:r>
-              <a:rPr lang="en-US"/>
+              <a:rPr lang="en-US" dirty="0"/>
               <a:t>Managing health risks</a:t>
             </a:r>
           </a:p>
@@ -6721,7 +6805,7 @@
         </p:nvSpPr>
         <p:spPr>
           <a:xfrm>
-            <a:off x="1378800" y="2548067"/>
+            <a:off x="1378800" y="2332043"/>
             <a:ext cx="2990595" cy="1961847"/>
           </a:xfrm>
         </p:spPr>
@@ -6730,19 +6814,19 @@
           <a:lstStyle/>
           <a:p>
             <a:r>
-              <a:rPr lang="en-US" sz="1800"/>
-              <a:t>Get information about most toxic air pollution</a:t>
-            </a:r>
-          </a:p>
-          <a:p>
-            <a:r>
-              <a:rPr lang="en-US" sz="1800"/>
-              <a:t>Recommendation when to leave the house </a:t>
-            </a:r>
-          </a:p>
-          <a:p>
-            <a:r>
-              <a:rPr lang="en-US" sz="1800"/>
+              <a:rPr lang="en-US" sz="1800" dirty="0"/>
+              <a:t>Get information air pollution</a:t>
+            </a:r>
+          </a:p>
+          <a:p>
+            <a:r>
+              <a:rPr lang="en-US" sz="1800" dirty="0"/>
+              <a:t>Recommendation when to leave the house and where to go</a:t>
+            </a:r>
+          </a:p>
+          <a:p>
+            <a:r>
+              <a:rPr lang="en-US" sz="1800" dirty="0"/>
               <a:t>Sensor for windows when to open and close</a:t>
             </a:r>
           </a:p>
@@ -6750,7 +6834,7 @@
             <a:pPr marL="0" indent="0">
               <a:buNone/>
             </a:pPr>
-            <a:endParaRPr lang="en-US"/>
+            <a:endParaRPr lang="en-US" dirty="0"/>
           </a:p>
         </p:txBody>
       </p:sp>
@@ -6799,7 +6883,7 @@
         </p:nvSpPr>
         <p:spPr>
           <a:xfrm>
-            <a:off x="6745659" y="2178001"/>
+            <a:off x="6745659" y="1961977"/>
             <a:ext cx="2990595" cy="213125"/>
           </a:xfrm>
           <a:prstGeom prst="rect">
@@ -6971,7 +7055,7 @@
         </p:nvSpPr>
         <p:spPr>
           <a:xfrm>
-            <a:off x="6745659" y="2548067"/>
+            <a:off x="6745659" y="2332043"/>
             <a:ext cx="2990595" cy="1961847"/>
           </a:xfrm>
           <a:prstGeom prst="rect">
@@ -7122,27 +7206,14 @@
           <a:p>
             <a:r>
               <a:rPr lang="en-US" sz="1800" dirty="0"/>
-              <a:t>Get information about most toxic air pollution</a:t>
+              <a:t>Monitor environmental damage</a:t>
             </a:r>
           </a:p>
           <a:p>
             <a:r>
               <a:rPr lang="en-US" sz="1800" dirty="0"/>
-              <a:t>Recommendation when to leave the house </a:t>
-            </a:r>
-          </a:p>
-          <a:p>
-            <a:r>
-              <a:rPr lang="en-US" sz="1800" dirty="0"/>
-              <a:t>Sensor for windows when to open and close</a:t>
-            </a:r>
-          </a:p>
-          <a:p>
-            <a:pPr marL="0" indent="0">
-              <a:buFont typeface="Arial" panose="020B0604020202020204" pitchFamily="34" charset="0"/>
-              <a:buNone/>
-            </a:pPr>
-            <a:endParaRPr lang="en-US" dirty="0"/>
+              <a:t>Plan counter-measures</a:t>
+            </a:r>
           </a:p>
         </p:txBody>
       </p:sp>
@@ -7485,7 +7556,7 @@
           <a:p>
             <a:r>
               <a:rPr lang="en-US" sz="1800" dirty="0"/>
-              <a:t>Use measurements to execute the current law </a:t>
+              <a:t>Use measurements to enforce the current law </a:t>
             </a:r>
           </a:p>
           <a:p>
@@ -7835,7 +7906,7 @@
           <a:p>
             <a:r>
               <a:rPr lang="en-US" sz="1800" dirty="0"/>
-              <a:t>The direct confrontation with the monitored air quality can lead to a higher ecological awareness</a:t>
+              <a:t>The direct confrontation with the monitored air quality can lead to an increased ecological awareness</a:t>
             </a:r>
           </a:p>
         </p:txBody>
@@ -7850,6 +7921,407 @@
   <p:clrMapOvr>
     <a:masterClrMapping/>
   </p:clrMapOvr>
+  <p:timing>
+    <p:tnLst>
+      <p:par>
+        <p:cTn id="1" dur="indefinite" restart="never" nodeType="tmRoot">
+          <p:childTnLst>
+            <p:seq concurrent="1" nextAc="seek">
+              <p:cTn id="2" dur="indefinite" nodeType="mainSeq">
+                <p:childTnLst>
+                  <p:par>
+                    <p:cTn id="3" fill="hold">
+                      <p:stCondLst>
+                        <p:cond delay="indefinite"/>
+                        <p:cond evt="onBegin" delay="0">
+                          <p:tn val="2"/>
+                        </p:cond>
+                      </p:stCondLst>
+                      <p:childTnLst>
+                        <p:par>
+                          <p:cTn id="4" fill="hold">
+                            <p:stCondLst>
+                              <p:cond delay="0"/>
+                            </p:stCondLst>
+                            <p:childTnLst>
+                              <p:par>
+                                <p:cTn id="5" presetID="1" presetClass="entr" presetSubtype="0" fill="hold" grpId="0" nodeType="withEffect">
+                                  <p:stCondLst>
+                                    <p:cond delay="0"/>
+                                  </p:stCondLst>
+                                  <p:childTnLst>
+                                    <p:set>
+                                      <p:cBhvr>
+                                        <p:cTn id="6" dur="1" fill="hold">
+                                          <p:stCondLst>
+                                            <p:cond delay="0"/>
+                                          </p:stCondLst>
+                                        </p:cTn>
+                                        <p:tgtEl>
+                                          <p:spTgt spid="5">
+                                            <p:txEl>
+                                              <p:pRg st="0" end="0"/>
+                                            </p:txEl>
+                                          </p:spTgt>
+                                        </p:tgtEl>
+                                        <p:attrNameLst>
+                                          <p:attrName>style.visibility</p:attrName>
+                                        </p:attrNameLst>
+                                      </p:cBhvr>
+                                      <p:to>
+                                        <p:strVal val="visible"/>
+                                      </p:to>
+                                    </p:set>
+                                  </p:childTnLst>
+                                </p:cTn>
+                              </p:par>
+                              <p:par>
+                                <p:cTn id="7" presetID="1" presetClass="entr" presetSubtype="0" fill="hold" grpId="0" nodeType="withEffect">
+                                  <p:stCondLst>
+                                    <p:cond delay="0"/>
+                                  </p:stCondLst>
+                                  <p:childTnLst>
+                                    <p:set>
+                                      <p:cBhvr>
+                                        <p:cTn id="8" dur="1" fill="hold">
+                                          <p:stCondLst>
+                                            <p:cond delay="0"/>
+                                          </p:stCondLst>
+                                        </p:cTn>
+                                        <p:tgtEl>
+                                          <p:spTgt spid="6">
+                                            <p:txEl>
+                                              <p:pRg st="0" end="0"/>
+                                            </p:txEl>
+                                          </p:spTgt>
+                                        </p:tgtEl>
+                                        <p:attrNameLst>
+                                          <p:attrName>style.visibility</p:attrName>
+                                        </p:attrNameLst>
+                                      </p:cBhvr>
+                                      <p:to>
+                                        <p:strVal val="visible"/>
+                                      </p:to>
+                                    </p:set>
+                                  </p:childTnLst>
+                                </p:cTn>
+                              </p:par>
+                              <p:par>
+                                <p:cTn id="9" presetID="1" presetClass="entr" presetSubtype="0" fill="hold" grpId="0" nodeType="withEffect">
+                                  <p:stCondLst>
+                                    <p:cond delay="0"/>
+                                  </p:stCondLst>
+                                  <p:childTnLst>
+                                    <p:set>
+                                      <p:cBhvr>
+                                        <p:cTn id="10" dur="1" fill="hold">
+                                          <p:stCondLst>
+                                            <p:cond delay="0"/>
+                                          </p:stCondLst>
+                                        </p:cTn>
+                                        <p:tgtEl>
+                                          <p:spTgt spid="6">
+                                            <p:txEl>
+                                              <p:pRg st="1" end="1"/>
+                                            </p:txEl>
+                                          </p:spTgt>
+                                        </p:tgtEl>
+                                        <p:attrNameLst>
+                                          <p:attrName>style.visibility</p:attrName>
+                                        </p:attrNameLst>
+                                      </p:cBhvr>
+                                      <p:to>
+                                        <p:strVal val="visible"/>
+                                      </p:to>
+                                    </p:set>
+                                  </p:childTnLst>
+                                </p:cTn>
+                              </p:par>
+                              <p:par>
+                                <p:cTn id="11" presetID="1" presetClass="entr" presetSubtype="0" fill="hold" grpId="0" nodeType="withEffect">
+                                  <p:stCondLst>
+                                    <p:cond delay="0"/>
+                                  </p:stCondLst>
+                                  <p:childTnLst>
+                                    <p:set>
+                                      <p:cBhvr>
+                                        <p:cTn id="12" dur="1" fill="hold">
+                                          <p:stCondLst>
+                                            <p:cond delay="0"/>
+                                          </p:stCondLst>
+                                        </p:cTn>
+                                        <p:tgtEl>
+                                          <p:spTgt spid="6">
+                                            <p:txEl>
+                                              <p:pRg st="2" end="2"/>
+                                            </p:txEl>
+                                          </p:spTgt>
+                                        </p:tgtEl>
+                                        <p:attrNameLst>
+                                          <p:attrName>style.visibility</p:attrName>
+                                        </p:attrNameLst>
+                                      </p:cBhvr>
+                                      <p:to>
+                                        <p:strVal val="visible"/>
+                                      </p:to>
+                                    </p:set>
+                                  </p:childTnLst>
+                                </p:cTn>
+                              </p:par>
+                            </p:childTnLst>
+                          </p:cTn>
+                        </p:par>
+                      </p:childTnLst>
+                    </p:cTn>
+                  </p:par>
+                  <p:par>
+                    <p:cTn id="13" fill="hold">
+                      <p:stCondLst>
+                        <p:cond delay="indefinite"/>
+                      </p:stCondLst>
+                      <p:childTnLst>
+                        <p:par>
+                          <p:cTn id="14" fill="hold">
+                            <p:stCondLst>
+                              <p:cond delay="0"/>
+                            </p:stCondLst>
+                            <p:childTnLst>
+                              <p:par>
+                                <p:cTn id="15" presetID="1" presetClass="entr" presetSubtype="0" fill="hold" grpId="0" nodeType="clickEffect">
+                                  <p:stCondLst>
+                                    <p:cond delay="0"/>
+                                  </p:stCondLst>
+                                  <p:childTnLst>
+                                    <p:set>
+                                      <p:cBhvr>
+                                        <p:cTn id="16" dur="1" fill="hold">
+                                          <p:stCondLst>
+                                            <p:cond delay="0"/>
+                                          </p:stCondLst>
+                                        </p:cTn>
+                                        <p:tgtEl>
+                                          <p:spTgt spid="11"/>
+                                        </p:tgtEl>
+                                        <p:attrNameLst>
+                                          <p:attrName>style.visibility</p:attrName>
+                                        </p:attrNameLst>
+                                      </p:cBhvr>
+                                      <p:to>
+                                        <p:strVal val="visible"/>
+                                      </p:to>
+                                    </p:set>
+                                  </p:childTnLst>
+                                </p:cTn>
+                              </p:par>
+                              <p:par>
+                                <p:cTn id="17" presetID="1" presetClass="entr" presetSubtype="0" fill="hold" grpId="0" nodeType="withEffect">
+                                  <p:stCondLst>
+                                    <p:cond delay="0"/>
+                                  </p:stCondLst>
+                                  <p:childTnLst>
+                                    <p:set>
+                                      <p:cBhvr>
+                                        <p:cTn id="18" dur="1" fill="hold">
+                                          <p:stCondLst>
+                                            <p:cond delay="0"/>
+                                          </p:stCondLst>
+                                        </p:cTn>
+                                        <p:tgtEl>
+                                          <p:spTgt spid="12"/>
+                                        </p:tgtEl>
+                                        <p:attrNameLst>
+                                          <p:attrName>style.visibility</p:attrName>
+                                        </p:attrNameLst>
+                                      </p:cBhvr>
+                                      <p:to>
+                                        <p:strVal val="visible"/>
+                                      </p:to>
+                                    </p:set>
+                                  </p:childTnLst>
+                                </p:cTn>
+                              </p:par>
+                            </p:childTnLst>
+                          </p:cTn>
+                        </p:par>
+                      </p:childTnLst>
+                    </p:cTn>
+                  </p:par>
+                  <p:par>
+                    <p:cTn id="19" fill="hold">
+                      <p:stCondLst>
+                        <p:cond delay="indefinite"/>
+                      </p:stCondLst>
+                      <p:childTnLst>
+                        <p:par>
+                          <p:cTn id="20" fill="hold">
+                            <p:stCondLst>
+                              <p:cond delay="0"/>
+                            </p:stCondLst>
+                            <p:childTnLst>
+                              <p:par>
+                                <p:cTn id="21" presetID="1" presetClass="entr" presetSubtype="0" fill="hold" grpId="0" nodeType="clickEffect">
+                                  <p:stCondLst>
+                                    <p:cond delay="0"/>
+                                  </p:stCondLst>
+                                  <p:childTnLst>
+                                    <p:set>
+                                      <p:cBhvr>
+                                        <p:cTn id="22" dur="1" fill="hold">
+                                          <p:stCondLst>
+                                            <p:cond delay="0"/>
+                                          </p:stCondLst>
+                                        </p:cTn>
+                                        <p:tgtEl>
+                                          <p:spTgt spid="13"/>
+                                        </p:tgtEl>
+                                        <p:attrNameLst>
+                                          <p:attrName>style.visibility</p:attrName>
+                                        </p:attrNameLst>
+                                      </p:cBhvr>
+                                      <p:to>
+                                        <p:strVal val="visible"/>
+                                      </p:to>
+                                    </p:set>
+                                  </p:childTnLst>
+                                </p:cTn>
+                              </p:par>
+                              <p:par>
+                                <p:cTn id="23" presetID="1" presetClass="entr" presetSubtype="0" fill="hold" grpId="0" nodeType="withEffect">
+                                  <p:stCondLst>
+                                    <p:cond delay="0"/>
+                                  </p:stCondLst>
+                                  <p:childTnLst>
+                                    <p:set>
+                                      <p:cBhvr>
+                                        <p:cTn id="24" dur="1" fill="hold">
+                                          <p:stCondLst>
+                                            <p:cond delay="0"/>
+                                          </p:stCondLst>
+                                        </p:cTn>
+                                        <p:tgtEl>
+                                          <p:spTgt spid="14"/>
+                                        </p:tgtEl>
+                                        <p:attrNameLst>
+                                          <p:attrName>style.visibility</p:attrName>
+                                        </p:attrNameLst>
+                                      </p:cBhvr>
+                                      <p:to>
+                                        <p:strVal val="visible"/>
+                                      </p:to>
+                                    </p:set>
+                                  </p:childTnLst>
+                                </p:cTn>
+                              </p:par>
+                            </p:childTnLst>
+                          </p:cTn>
+                        </p:par>
+                      </p:childTnLst>
+                    </p:cTn>
+                  </p:par>
+                  <p:par>
+                    <p:cTn id="25" fill="hold">
+                      <p:stCondLst>
+                        <p:cond delay="indefinite"/>
+                      </p:stCondLst>
+                      <p:childTnLst>
+                        <p:par>
+                          <p:cTn id="26" fill="hold">
+                            <p:stCondLst>
+                              <p:cond delay="0"/>
+                            </p:stCondLst>
+                            <p:childTnLst>
+                              <p:par>
+                                <p:cTn id="27" presetID="1" presetClass="entr" presetSubtype="0" fill="hold" grpId="0" nodeType="clickEffect">
+                                  <p:stCondLst>
+                                    <p:cond delay="0"/>
+                                  </p:stCondLst>
+                                  <p:childTnLst>
+                                    <p:set>
+                                      <p:cBhvr>
+                                        <p:cTn id="28" dur="1" fill="hold">
+                                          <p:stCondLst>
+                                            <p:cond delay="0"/>
+                                          </p:stCondLst>
+                                        </p:cTn>
+                                        <p:tgtEl>
+                                          <p:spTgt spid="18"/>
+                                        </p:tgtEl>
+                                        <p:attrNameLst>
+                                          <p:attrName>style.visibility</p:attrName>
+                                        </p:attrNameLst>
+                                      </p:cBhvr>
+                                      <p:to>
+                                        <p:strVal val="visible"/>
+                                      </p:to>
+                                    </p:set>
+                                  </p:childTnLst>
+                                </p:cTn>
+                              </p:par>
+                              <p:par>
+                                <p:cTn id="29" presetID="1" presetClass="entr" presetSubtype="0" fill="hold" grpId="0" nodeType="withEffect">
+                                  <p:stCondLst>
+                                    <p:cond delay="0"/>
+                                  </p:stCondLst>
+                                  <p:childTnLst>
+                                    <p:set>
+                                      <p:cBhvr>
+                                        <p:cTn id="30" dur="1" fill="hold">
+                                          <p:stCondLst>
+                                            <p:cond delay="0"/>
+                                          </p:stCondLst>
+                                        </p:cTn>
+                                        <p:tgtEl>
+                                          <p:spTgt spid="17"/>
+                                        </p:tgtEl>
+                                        <p:attrNameLst>
+                                          <p:attrName>style.visibility</p:attrName>
+                                        </p:attrNameLst>
+                                      </p:cBhvr>
+                                      <p:to>
+                                        <p:strVal val="visible"/>
+                                      </p:to>
+                                    </p:set>
+                                  </p:childTnLst>
+                                </p:cTn>
+                              </p:par>
+                            </p:childTnLst>
+                          </p:cTn>
+                        </p:par>
+                      </p:childTnLst>
+                    </p:cTn>
+                  </p:par>
+                </p:childTnLst>
+              </p:cTn>
+              <p:prevCondLst>
+                <p:cond evt="onPrev" delay="0">
+                  <p:tgtEl>
+                    <p:sldTgt/>
+                  </p:tgtEl>
+                </p:cond>
+              </p:prevCondLst>
+              <p:nextCondLst>
+                <p:cond evt="onNext" delay="0">
+                  <p:tgtEl>
+                    <p:sldTgt/>
+                  </p:tgtEl>
+                </p:cond>
+              </p:nextCondLst>
+            </p:seq>
+          </p:childTnLst>
+        </p:cTn>
+      </p:par>
+    </p:tnLst>
+    <p:bldLst>
+      <p:bldP spid="5" grpId="0" build="p"/>
+      <p:bldP spid="6" grpId="0" uiExpand="1" build="p"/>
+      <p:bldP spid="11" grpId="0"/>
+      <p:bldP spid="12" grpId="0"/>
+      <p:bldP spid="13" grpId="0"/>
+      <p:bldP spid="14" grpId="0"/>
+      <p:bldP spid="17" grpId="0"/>
+      <p:bldP spid="18" grpId="0"/>
+    </p:bldLst>
+  </p:timing>
 </p:sld>
 </file>
 
@@ -8003,7 +8475,7 @@
       </p:sp>
       <p:pic>
         <p:nvPicPr>
-          <p:cNvPr id="9" name="Content Placeholder 5" descr="A close up of a logo&#13;&#10;&#13;&#10;Description automatically generated">
+          <p:cNvPr id="9" name="Content Placeholder 5" descr="A close up of a logo&#10;&#10;Description automatically generated">
             <a:extLst>
               <a:ext uri="{FF2B5EF4-FFF2-40B4-BE49-F238E27FC236}">
                 <a16:creationId xmlns:a16="http://schemas.microsoft.com/office/drawing/2014/main" id="{965B8BC3-777B-8246-89EE-2E23DC20FEDF}"/>
@@ -8320,7 +8792,7 @@
       </p:sp>
       <p:pic>
         <p:nvPicPr>
-          <p:cNvPr id="12" name="Picture 11" descr="A close up of a sign&#13;&#10;&#13;&#10;Description automatically generated">
+          <p:cNvPr id="12" name="Picture 11" descr="A close up of a sign&#10;&#10;Description automatically generated">
             <a:extLst>
               <a:ext uri="{FF2B5EF4-FFF2-40B4-BE49-F238E27FC236}">
                 <a16:creationId xmlns:a16="http://schemas.microsoft.com/office/drawing/2014/main" id="{81BD27D1-2C82-7C40-8C58-081271F28A72}"/>
